--- a/실습프로젝트설계_ipTVShopProject.pptx
+++ b/실습프로젝트설계_ipTVShopProject.pptx
@@ -28,6 +28,7 @@
     <p:sldId id="268" r:id="rId22"/>
     <p:sldId id="269" r:id="rId23"/>
     <p:sldId id="284" r:id="rId24"/>
+    <p:sldId id="285" r:id="rId25"/>
   </p:sldIdLst>
   <p:sldSz cx="12192000" cy="6858000"/>
   <p:notesSz cx="6858000" cy="9144000"/>
@@ -154,6 +155,7 @@
             <p14:sldId id="268"/>
             <p14:sldId id="269"/>
             <p14:sldId id="284"/>
+            <p14:sldId id="285"/>
           </p14:sldIdLst>
         </p14:section>
       </p14:sectionLst>
@@ -6380,18 +6382,6 @@
               </a:rPr>
               <a:t>고객에게 가입완료알림</a:t>
             </a:r>
-            <a:endParaRPr lang="ko-KR" altLang="en-US" sz="1000" b="1" dirty="0">
-              <a:ln>
-                <a:solidFill>
-                  <a:schemeClr val="bg1">
-                    <a:alpha val="20000"/>
-                  </a:schemeClr>
-                </a:solidFill>
-              </a:ln>
-              <a:solidFill>
-                <a:schemeClr val="tx1"/>
-              </a:solidFill>
-            </a:endParaRPr>
           </a:p>
         </p:txBody>
       </p:sp>
@@ -11007,18 +10997,6 @@
               </a:rPr>
               <a:t>고객에게 가입완료알림</a:t>
             </a:r>
-            <a:endParaRPr lang="ko-KR" altLang="en-US" sz="1000" b="1" dirty="0">
-              <a:ln>
-                <a:solidFill>
-                  <a:schemeClr val="bg1">
-                    <a:alpha val="20000"/>
-                  </a:schemeClr>
-                </a:solidFill>
-              </a:ln>
-              <a:solidFill>
-                <a:schemeClr val="tx1"/>
-              </a:solidFill>
-            </a:endParaRPr>
           </a:p>
         </p:txBody>
       </p:sp>
@@ -12134,18 +12112,7 @@
                   </a:schemeClr>
                 </a:solidFill>
               </a:rPr>
-              <a:t>시스템에서 </a:t>
-            </a:r>
-            <a:r>
-              <a:rPr lang="ko-KR" altLang="en-US" sz="1200" b="1" dirty="0" smtClean="0">
-                <a:solidFill>
-                  <a:schemeClr val="tx1">
-                    <a:lumMod val="65000"/>
-                    <a:lumOff val="35000"/>
-                  </a:schemeClr>
-                </a:solidFill>
-              </a:rPr>
-              <a:t>취소신청처리</a:t>
+              <a:t>시스템에서 취소신청처리</a:t>
             </a:r>
             <a:r>
               <a:rPr lang="en-US" altLang="ko-KR" sz="1200" b="1" dirty="0" smtClean="0">
@@ -22798,18 +22765,6 @@
               </a:rPr>
               <a:t>고객에게 가입완료알림</a:t>
             </a:r>
-            <a:endParaRPr lang="ko-KR" altLang="en-US" sz="1000" b="1" dirty="0">
-              <a:ln>
-                <a:solidFill>
-                  <a:schemeClr val="bg1">
-                    <a:alpha val="20000"/>
-                  </a:schemeClr>
-                </a:solidFill>
-              </a:ln>
-              <a:solidFill>
-                <a:schemeClr val="tx1"/>
-              </a:solidFill>
-            </a:endParaRPr>
           </a:p>
         </p:txBody>
       </p:sp>
@@ -27599,18 +27554,6 @@
               </a:rPr>
               <a:t>고객에게 가입완료알림</a:t>
             </a:r>
-            <a:endParaRPr lang="ko-KR" altLang="en-US" sz="1000" b="1" dirty="0">
-              <a:ln>
-                <a:solidFill>
-                  <a:schemeClr val="bg1">
-                    <a:alpha val="20000"/>
-                  </a:schemeClr>
-                </a:solidFill>
-              </a:ln>
-              <a:solidFill>
-                <a:schemeClr val="tx1"/>
-              </a:solidFill>
-            </a:endParaRPr>
           </a:p>
         </p:txBody>
       </p:sp>
@@ -33198,18 +33141,6 @@
               </a:rPr>
               <a:t>고객에게 가입완료알림</a:t>
             </a:r>
-            <a:endParaRPr lang="ko-KR" altLang="en-US" sz="1000" b="1" dirty="0">
-              <a:ln>
-                <a:solidFill>
-                  <a:schemeClr val="bg1">
-                    <a:alpha val="20000"/>
-                  </a:schemeClr>
-                </a:solidFill>
-              </a:ln>
-              <a:solidFill>
-                <a:schemeClr val="tx1"/>
-              </a:solidFill>
-            </a:endParaRPr>
           </a:p>
         </p:txBody>
       </p:sp>
@@ -34027,7 +33958,7 @@
         </p:nvGrpSpPr>
         <p:grpSpPr>
           <a:xfrm>
-            <a:off x="-73891" y="968152"/>
+            <a:off x="387922" y="968152"/>
             <a:ext cx="10503724" cy="4804575"/>
             <a:chOff x="0" y="-134607"/>
             <a:chExt cx="16985445" cy="7769420"/>
@@ -34092,7 +34023,7 @@
         </p:nvSpPr>
         <p:spPr>
           <a:xfrm>
-            <a:off x="228600" y="5255491"/>
+            <a:off x="690413" y="5255491"/>
             <a:ext cx="10515600" cy="1602509"/>
           </a:xfrm>
           <a:prstGeom prst="rect">
@@ -34397,6 +34328,158 @@
               <a:t>.</a:t>
             </a:r>
             <a:endParaRPr lang="ko-KR" altLang="en-US" sz="1200" dirty="0"/>
+          </a:p>
+        </p:txBody>
+      </p:sp>
+      <p:sp>
+        <p:nvSpPr>
+          <p:cNvPr id="7" name="자유형 6"/>
+          <p:cNvSpPr/>
+          <p:nvPr/>
+        </p:nvSpPr>
+        <p:spPr>
+          <a:xfrm>
+            <a:off x="910700" y="1549278"/>
+            <a:ext cx="9685832" cy="1945927"/>
+          </a:xfrm>
+          <a:custGeom>
+            <a:avLst/>
+            <a:gdLst>
+              <a:gd name="connsiteX0" fmla="*/ 0 w 9685832"/>
+              <a:gd name="connsiteY0" fmla="*/ 977791 h 1945927"/>
+              <a:gd name="connsiteX1" fmla="*/ 2152997 w 9685832"/>
+              <a:gd name="connsiteY1" fmla="*/ 994417 h 1945927"/>
+              <a:gd name="connsiteX2" fmla="*/ 3258589 w 9685832"/>
+              <a:gd name="connsiteY2" fmla="*/ 179769 h 1945927"/>
+              <a:gd name="connsiteX3" fmla="*/ 5636029 w 9685832"/>
+              <a:gd name="connsiteY3" fmla="*/ 96642 h 1945927"/>
+              <a:gd name="connsiteX4" fmla="*/ 7523018 w 9685832"/>
+              <a:gd name="connsiteY4" fmla="*/ 1318613 h 1945927"/>
+              <a:gd name="connsiteX5" fmla="*/ 9684328 w 9685832"/>
+              <a:gd name="connsiteY5" fmla="*/ 1268737 h 1945927"/>
+              <a:gd name="connsiteX6" fmla="*/ 7888778 w 9685832"/>
+              <a:gd name="connsiteY6" fmla="*/ 1809064 h 1945927"/>
+              <a:gd name="connsiteX7" fmla="*/ 9418320 w 9685832"/>
+              <a:gd name="connsiteY7" fmla="*/ 1908817 h 1945927"/>
+              <a:gd name="connsiteX8" fmla="*/ 3998422 w 9685832"/>
+              <a:gd name="connsiteY8" fmla="*/ 1285362 h 1945927"/>
+              <a:gd name="connsiteX9" fmla="*/ 507077 w 9685832"/>
+              <a:gd name="connsiteY9" fmla="*/ 1601246 h 1945927"/>
+            </a:gdLst>
+            <a:ahLst/>
+            <a:cxnLst>
+              <a:cxn ang="0">
+                <a:pos x="connsiteX0" y="connsiteY0"/>
+              </a:cxn>
+              <a:cxn ang="0">
+                <a:pos x="connsiteX1" y="connsiteY1"/>
+              </a:cxn>
+              <a:cxn ang="0">
+                <a:pos x="connsiteX2" y="connsiteY2"/>
+              </a:cxn>
+              <a:cxn ang="0">
+                <a:pos x="connsiteX3" y="connsiteY3"/>
+              </a:cxn>
+              <a:cxn ang="0">
+                <a:pos x="connsiteX4" y="connsiteY4"/>
+              </a:cxn>
+              <a:cxn ang="0">
+                <a:pos x="connsiteX5" y="connsiteY5"/>
+              </a:cxn>
+              <a:cxn ang="0">
+                <a:pos x="connsiteX6" y="connsiteY6"/>
+              </a:cxn>
+              <a:cxn ang="0">
+                <a:pos x="connsiteX7" y="connsiteY7"/>
+              </a:cxn>
+              <a:cxn ang="0">
+                <a:pos x="connsiteX8" y="connsiteY8"/>
+              </a:cxn>
+              <a:cxn ang="0">
+                <a:pos x="connsiteX9" y="connsiteY9"/>
+              </a:cxn>
+            </a:cxnLst>
+            <a:rect l="l" t="t" r="r" b="b"/>
+            <a:pathLst>
+              <a:path w="9685832" h="1945927">
+                <a:moveTo>
+                  <a:pt x="0" y="977791"/>
+                </a:moveTo>
+                <a:cubicBezTo>
+                  <a:pt x="804949" y="1052606"/>
+                  <a:pt x="1609899" y="1127421"/>
+                  <a:pt x="2152997" y="994417"/>
+                </a:cubicBezTo>
+                <a:cubicBezTo>
+                  <a:pt x="2696095" y="861413"/>
+                  <a:pt x="2678084" y="329398"/>
+                  <a:pt x="3258589" y="179769"/>
+                </a:cubicBezTo>
+                <a:cubicBezTo>
+                  <a:pt x="3839094" y="30140"/>
+                  <a:pt x="4925291" y="-93165"/>
+                  <a:pt x="5636029" y="96642"/>
+                </a:cubicBezTo>
+                <a:cubicBezTo>
+                  <a:pt x="6346767" y="286449"/>
+                  <a:pt x="6848302" y="1123264"/>
+                  <a:pt x="7523018" y="1318613"/>
+                </a:cubicBezTo>
+                <a:cubicBezTo>
+                  <a:pt x="8197734" y="1513962"/>
+                  <a:pt x="9623368" y="1186995"/>
+                  <a:pt x="9684328" y="1268737"/>
+                </a:cubicBezTo>
+                <a:cubicBezTo>
+                  <a:pt x="9745288" y="1350479"/>
+                  <a:pt x="7933113" y="1702384"/>
+                  <a:pt x="7888778" y="1809064"/>
+                </a:cubicBezTo>
+                <a:cubicBezTo>
+                  <a:pt x="7844443" y="1915744"/>
+                  <a:pt x="10066713" y="1996101"/>
+                  <a:pt x="9418320" y="1908817"/>
+                </a:cubicBezTo>
+                <a:cubicBezTo>
+                  <a:pt x="8769927" y="1821533"/>
+                  <a:pt x="5483629" y="1336624"/>
+                  <a:pt x="3998422" y="1285362"/>
+                </a:cubicBezTo>
+                <a:cubicBezTo>
+                  <a:pt x="2513215" y="1234100"/>
+                  <a:pt x="1510146" y="1417673"/>
+                  <a:pt x="507077" y="1601246"/>
+                </a:cubicBezTo>
+              </a:path>
+            </a:pathLst>
+          </a:custGeom>
+          <a:noFill/>
+          <a:ln w="34925">
+            <a:tailEnd type="triangle"/>
+          </a:ln>
+        </p:spPr>
+        <p:style>
+          <a:lnRef idx="2">
+            <a:schemeClr val="accent1">
+              <a:shade val="50000"/>
+            </a:schemeClr>
+          </a:lnRef>
+          <a:fillRef idx="1">
+            <a:schemeClr val="accent1"/>
+          </a:fillRef>
+          <a:effectRef idx="0">
+            <a:schemeClr val="accent1"/>
+          </a:effectRef>
+          <a:fontRef idx="minor">
+            <a:schemeClr val="lt1"/>
+          </a:fontRef>
+        </p:style>
+        <p:txBody>
+          <a:bodyPr rtlCol="0" anchor="ctr"/>
+          <a:lstStyle/>
+          <a:p>
+            <a:pPr algn="ctr"/>
+            <a:endParaRPr lang="ko-KR" altLang="en-US"/>
           </a:p>
         </p:txBody>
       </p:sp>
@@ -34471,7 +34554,7 @@
         </p:nvGrpSpPr>
         <p:grpSpPr>
           <a:xfrm>
-            <a:off x="-73891" y="968152"/>
+            <a:off x="498763" y="968152"/>
             <a:ext cx="10503724" cy="4804575"/>
             <a:chOff x="0" y="-134607"/>
             <a:chExt cx="16985445" cy="7769420"/>
@@ -34536,7 +34619,7 @@
         </p:nvSpPr>
         <p:spPr>
           <a:xfrm>
-            <a:off x="265546" y="5657881"/>
+            <a:off x="838200" y="5657881"/>
             <a:ext cx="10515600" cy="1200119"/>
           </a:xfrm>
           <a:prstGeom prst="rect">
@@ -34790,7 +34873,7 @@
         </p:nvSpPr>
         <p:spPr>
           <a:xfrm>
-            <a:off x="443345" y="3588034"/>
+            <a:off x="1015999" y="3588034"/>
             <a:ext cx="9753600" cy="1509083"/>
           </a:xfrm>
           <a:custGeom>
@@ -34883,7 +34966,7 @@
         </p:nvSpPr>
         <p:spPr>
           <a:xfrm>
-            <a:off x="387927" y="3705995"/>
+            <a:off x="960581" y="3705995"/>
             <a:ext cx="5481983" cy="1411472"/>
           </a:xfrm>
           <a:custGeom>
@@ -37269,18 +37352,6 @@
               </a:rPr>
               <a:t> </a:t>
             </a:r>
-            <a:endParaRPr lang="ko-KR" altLang="en-US" sz="1000" b="1" dirty="0">
-              <a:ln>
-                <a:solidFill>
-                  <a:schemeClr val="bg1">
-                    <a:alpha val="20000"/>
-                  </a:schemeClr>
-                </a:solidFill>
-              </a:ln>
-              <a:solidFill>
-                <a:schemeClr val="tx1"/>
-              </a:solidFill>
-            </a:endParaRPr>
           </a:p>
         </p:txBody>
       </p:sp>
@@ -38582,6 +38653,190 @@
 </p:sld>
 </file>
 
+<file path=ppt/slides/slide24.xml><?xml version="1.0" encoding="utf-8"?>
+<p:sld xmlns:a="http://schemas.openxmlformats.org/drawingml/2006/main" xmlns:r="http://schemas.openxmlformats.org/officeDocument/2006/relationships" xmlns:p="http://schemas.openxmlformats.org/presentationml/2006/main">
+  <p:cSld>
+    <p:spTree>
+      <p:nvGrpSpPr>
+        <p:cNvPr id="1" name=""/>
+        <p:cNvGrpSpPr/>
+        <p:nvPr/>
+      </p:nvGrpSpPr>
+      <p:grpSpPr>
+        <a:xfrm>
+          <a:off x="0" y="0"/>
+          <a:ext cx="0" cy="0"/>
+          <a:chOff x="0" y="0"/>
+          <a:chExt cx="0" cy="0"/>
+        </a:xfrm>
+      </p:grpSpPr>
+      <p:sp>
+        <p:nvSpPr>
+          <p:cNvPr id="2" name="제목 1"/>
+          <p:cNvSpPr>
+            <a:spLocks noGrp="1"/>
+          </p:cNvSpPr>
+          <p:nvPr>
+            <p:ph type="title"/>
+          </p:nvPr>
+        </p:nvSpPr>
+        <p:spPr/>
+        <p:txBody>
+          <a:bodyPr>
+            <a:normAutofit fontScale="90000"/>
+          </a:bodyPr>
+          <a:lstStyle/>
+          <a:p>
+            <a:r>
+              <a:rPr lang="ko-KR" altLang="en-US" dirty="0" smtClean="0"/>
+              <a:t>구현</a:t>
+            </a:r>
+            <a:r>
+              <a:rPr lang="en-US" altLang="ko-KR" dirty="0" smtClean="0"/>
+              <a:t>- </a:t>
+            </a:r>
+            <a:r>
+              <a:rPr lang="ko-KR" altLang="en-US" dirty="0" err="1" smtClean="0"/>
+              <a:t>장애격리</a:t>
+            </a:r>
+            <a:endParaRPr lang="ko-KR" altLang="en-US" dirty="0"/>
+          </a:p>
+        </p:txBody>
+      </p:sp>
+      <p:sp>
+        <p:nvSpPr>
+          <p:cNvPr id="3" name="내용 개체 틀 2"/>
+          <p:cNvSpPr>
+            <a:spLocks noGrp="1"/>
+          </p:cNvSpPr>
+          <p:nvPr>
+            <p:ph idx="1"/>
+          </p:nvPr>
+        </p:nvSpPr>
+        <p:spPr/>
+        <p:txBody>
+          <a:bodyPr>
+            <a:normAutofit/>
+          </a:bodyPr>
+          <a:lstStyle/>
+          <a:p>
+            <a:r>
+              <a:rPr lang="ko-KR" altLang="en-US" dirty="0"/>
+              <a:t>분석</a:t>
+            </a:r>
+            <a:r>
+              <a:rPr lang="en-US" altLang="ko-KR" dirty="0"/>
+              <a:t>/</a:t>
+            </a:r>
+            <a:r>
+              <a:rPr lang="ko-KR" altLang="en-US" dirty="0"/>
+              <a:t>설계 단계에서 도출된 </a:t>
+            </a:r>
+            <a:r>
+              <a:rPr lang="ko-KR" altLang="en-US" dirty="0" err="1"/>
+              <a:t>헥사고날</a:t>
+            </a:r>
+            <a:r>
+              <a:rPr lang="ko-KR" altLang="en-US" dirty="0"/>
+              <a:t> 아키텍처에 따라</a:t>
+            </a:r>
+            <a:r>
+              <a:rPr lang="en-US" altLang="ko-KR" dirty="0"/>
+              <a:t>, </a:t>
+            </a:r>
+            <a:r>
+              <a:rPr lang="ko-KR" altLang="en-US" dirty="0"/>
+              <a:t>각 </a:t>
+            </a:r>
+            <a:r>
+              <a:rPr lang="en-US" altLang="ko-KR" dirty="0"/>
+              <a:t>BC</a:t>
+            </a:r>
+            <a:r>
+              <a:rPr lang="ko-KR" altLang="en-US" dirty="0"/>
+              <a:t>별로 대변되는 마이크로 서비스들을 </a:t>
+            </a:r>
+            <a:r>
+              <a:rPr lang="ko-KR" altLang="en-US" dirty="0" smtClean="0"/>
+              <a:t>스프링부트로 </a:t>
+            </a:r>
+            <a:r>
+              <a:rPr lang="ko-KR" altLang="en-US" dirty="0"/>
+              <a:t>구현하였다</a:t>
+            </a:r>
+            <a:r>
+              <a:rPr lang="en-US" altLang="ko-KR" dirty="0"/>
+              <a:t>. </a:t>
+            </a:r>
+            <a:r>
+              <a:rPr lang="ko-KR" altLang="en-US" dirty="0"/>
+              <a:t>구현한 각 서비스를 로컬에서 실행하는 방법은 아래와 같다 </a:t>
+            </a:r>
+            <a:r>
+              <a:rPr lang="en-US" altLang="ko-KR" dirty="0"/>
+              <a:t>(</a:t>
+            </a:r>
+            <a:r>
+              <a:rPr lang="ko-KR" altLang="en-US" dirty="0"/>
+              <a:t>각자의 </a:t>
+            </a:r>
+            <a:r>
+              <a:rPr lang="ko-KR" altLang="en-US" dirty="0" err="1"/>
+              <a:t>포트넘버는</a:t>
+            </a:r>
+            <a:r>
+              <a:rPr lang="ko-KR" altLang="en-US" dirty="0"/>
+              <a:t> </a:t>
+            </a:r>
+            <a:r>
+              <a:rPr lang="en-US" altLang="ko-KR" dirty="0"/>
+              <a:t>8081 ~ </a:t>
+            </a:r>
+            <a:r>
+              <a:rPr lang="en-US" altLang="ko-KR" dirty="0" smtClean="0"/>
+              <a:t>8084 </a:t>
+            </a:r>
+            <a:r>
+              <a:rPr lang="ko-KR" altLang="en-US" dirty="0"/>
+              <a:t>이다</a:t>
+            </a:r>
+            <a:r>
+              <a:rPr lang="en-US" altLang="ko-KR" dirty="0"/>
+              <a:t>)</a:t>
+            </a:r>
+          </a:p>
+          <a:p>
+            <a:endParaRPr lang="en-US" altLang="ko-KR" dirty="0"/>
+          </a:p>
+          <a:p>
+            <a:r>
+              <a:rPr lang="ko-KR" altLang="en-US" dirty="0" smtClean="0"/>
+              <a:t>내용</a:t>
+            </a:r>
+            <a:endParaRPr lang="ko-KR" altLang="en-US" dirty="0"/>
+          </a:p>
+        </p:txBody>
+      </p:sp>
+    </p:spTree>
+    <p:extLst>
+      <p:ext uri="{BB962C8B-B14F-4D97-AF65-F5344CB8AC3E}">
+        <p14:creationId xmlns:p14="http://schemas.microsoft.com/office/powerpoint/2010/main" val="263217609"/>
+      </p:ext>
+    </p:extLst>
+  </p:cSld>
+  <p:clrMapOvr>
+    <a:masterClrMapping/>
+  </p:clrMapOvr>
+  <p:timing>
+    <p:tnLst>
+      <p:par>
+        <p:cTn id="1" dur="indefinite" restart="never" nodeType="tmRoot"/>
+      </p:par>
+    </p:tnLst>
+  </p:timing>
+</p:sld>
+</file>
+
 <file path=ppt/slides/slide3.xml><?xml version="1.0" encoding="utf-8"?>
 <p:sld xmlns:a="http://schemas.openxmlformats.org/drawingml/2006/main" xmlns:r="http://schemas.openxmlformats.org/officeDocument/2006/relationships" xmlns:p="http://schemas.openxmlformats.org/presentationml/2006/main">
   <p:cSld>
@@ -40526,9 +40781,322 @@
           </a:p>
         </p:txBody>
       </p:sp>
+      <p:grpSp>
+        <p:nvGrpSpPr>
+          <p:cNvPr id="7" name="그룹 6"/>
+          <p:cNvGrpSpPr/>
+          <p:nvPr/>
+        </p:nvGrpSpPr>
+        <p:grpSpPr>
+          <a:xfrm>
+            <a:off x="1162373" y="1892166"/>
+            <a:ext cx="5765370" cy="4325398"/>
+            <a:chOff x="1503333" y="1142306"/>
+            <a:chExt cx="7873142" cy="5879797"/>
+          </a:xfrm>
+        </p:grpSpPr>
+        <p:sp>
+          <p:nvSpPr>
+            <p:cNvPr id="8" name="직사각형 7"/>
+            <p:cNvSpPr/>
+            <p:nvPr/>
+          </p:nvSpPr>
+          <p:spPr>
+            <a:xfrm>
+              <a:off x="1503333" y="1142306"/>
+              <a:ext cx="7873139" cy="1348352"/>
+            </a:xfrm>
+            <a:prstGeom prst="rect">
+              <a:avLst/>
+            </a:prstGeom>
+          </p:spPr>
+          <p:style>
+            <a:lnRef idx="2">
+              <a:schemeClr val="accent1">
+                <a:shade val="50000"/>
+              </a:schemeClr>
+            </a:lnRef>
+            <a:fillRef idx="1">
+              <a:schemeClr val="accent1"/>
+            </a:fillRef>
+            <a:effectRef idx="0">
+              <a:schemeClr val="accent1"/>
+            </a:effectRef>
+            <a:fontRef idx="minor">
+              <a:schemeClr val="lt1"/>
+            </a:fontRef>
+          </p:style>
+          <p:txBody>
+            <a:bodyPr rtlCol="0" anchor="ctr"/>
+            <a:lstStyle/>
+            <a:p>
+              <a:r>
+                <a:rPr kumimoji="1" lang="en-US" altLang="ko-KR" smtClean="0"/>
+                <a:t>Business</a:t>
+              </a:r>
+              <a:endParaRPr kumimoji="1" lang="ko-KR" altLang="en-US" dirty="0"/>
+            </a:p>
+          </p:txBody>
+        </p:sp>
+        <p:sp>
+          <p:nvSpPr>
+            <p:cNvPr id="9" name="직사각형 8"/>
+            <p:cNvSpPr/>
+            <p:nvPr/>
+          </p:nvSpPr>
+          <p:spPr>
+            <a:xfrm>
+              <a:off x="1503336" y="5673751"/>
+              <a:ext cx="7873139" cy="1348352"/>
+            </a:xfrm>
+            <a:prstGeom prst="rect">
+              <a:avLst/>
+            </a:prstGeom>
+          </p:spPr>
+          <p:style>
+            <a:lnRef idx="2">
+              <a:schemeClr val="accent1">
+                <a:shade val="50000"/>
+              </a:schemeClr>
+            </a:lnRef>
+            <a:fillRef idx="1">
+              <a:schemeClr val="accent1"/>
+            </a:fillRef>
+            <a:effectRef idx="0">
+              <a:schemeClr val="accent1"/>
+            </a:effectRef>
+            <a:fontRef idx="minor">
+              <a:schemeClr val="lt1"/>
+            </a:fontRef>
+          </p:style>
+          <p:txBody>
+            <a:bodyPr rtlCol="0" anchor="ctr"/>
+            <a:lstStyle/>
+            <a:p>
+              <a:r>
+                <a:rPr kumimoji="1" lang="en-US" altLang="ko-KR" dirty="0" smtClean="0"/>
+                <a:t>DBA </a:t>
+              </a:r>
+              <a:endParaRPr kumimoji="1" lang="ko-KR" altLang="en-US" dirty="0"/>
+            </a:p>
+          </p:txBody>
+        </p:sp>
+        <p:sp>
+          <p:nvSpPr>
+            <p:cNvPr id="10" name="직사각형 9"/>
+            <p:cNvSpPr/>
+            <p:nvPr/>
+          </p:nvSpPr>
+          <p:spPr>
+            <a:xfrm>
+              <a:off x="1503335" y="4121338"/>
+              <a:ext cx="7873139" cy="1348352"/>
+            </a:xfrm>
+            <a:prstGeom prst="rect">
+              <a:avLst/>
+            </a:prstGeom>
+          </p:spPr>
+          <p:style>
+            <a:lnRef idx="2">
+              <a:schemeClr val="accent1">
+                <a:shade val="50000"/>
+              </a:schemeClr>
+            </a:lnRef>
+            <a:fillRef idx="1">
+              <a:schemeClr val="accent1"/>
+            </a:fillRef>
+            <a:effectRef idx="0">
+              <a:schemeClr val="accent1"/>
+            </a:effectRef>
+            <a:fontRef idx="minor">
+              <a:schemeClr val="lt1"/>
+            </a:fontRef>
+          </p:style>
+          <p:txBody>
+            <a:bodyPr rtlCol="0" anchor="ctr"/>
+            <a:lstStyle/>
+            <a:p>
+              <a:r>
+                <a:rPr kumimoji="1" lang="en-US" altLang="ko-KR" dirty="0" smtClean="0"/>
+                <a:t>Backend Developer</a:t>
+              </a:r>
+              <a:endParaRPr kumimoji="1" lang="ko-KR" altLang="en-US" dirty="0"/>
+            </a:p>
+          </p:txBody>
+        </p:sp>
+        <p:sp>
+          <p:nvSpPr>
+            <p:cNvPr id="11" name="직사각형 10"/>
+            <p:cNvSpPr/>
+            <p:nvPr/>
+          </p:nvSpPr>
+          <p:spPr>
+            <a:xfrm>
+              <a:off x="1503334" y="2568925"/>
+              <a:ext cx="7873139" cy="1348352"/>
+            </a:xfrm>
+            <a:prstGeom prst="rect">
+              <a:avLst/>
+            </a:prstGeom>
+          </p:spPr>
+          <p:style>
+            <a:lnRef idx="2">
+              <a:schemeClr val="accent1">
+                <a:shade val="50000"/>
+              </a:schemeClr>
+            </a:lnRef>
+            <a:fillRef idx="1">
+              <a:schemeClr val="accent1"/>
+            </a:fillRef>
+            <a:effectRef idx="0">
+              <a:schemeClr val="accent1"/>
+            </a:effectRef>
+            <a:fontRef idx="minor">
+              <a:schemeClr val="lt1"/>
+            </a:fontRef>
+          </p:style>
+          <p:txBody>
+            <a:bodyPr rtlCol="0" anchor="ctr"/>
+            <a:lstStyle/>
+            <a:p>
+              <a:r>
+                <a:rPr kumimoji="1" lang="en-US" altLang="ko-KR" dirty="0" smtClean="0"/>
+                <a:t>UI Developer</a:t>
+              </a:r>
+              <a:endParaRPr kumimoji="1" lang="ko-KR" altLang="en-US" dirty="0"/>
+            </a:p>
+          </p:txBody>
+        </p:sp>
+        <p:pic>
+          <p:nvPicPr>
+            <p:cNvPr id="12" name="그림 11"/>
+            <p:cNvPicPr>
+              <a:picLocks noChangeAspect="1"/>
+            </p:cNvPicPr>
+            <p:nvPr/>
+          </p:nvPicPr>
+          <p:blipFill>
+            <a:blip r:embed="rId2"/>
+            <a:stretch>
+              <a:fillRect/>
+            </a:stretch>
+          </p:blipFill>
+          <p:spPr>
+            <a:xfrm>
+              <a:off x="6168326" y="2837748"/>
+              <a:ext cx="920097" cy="912736"/>
+            </a:xfrm>
+            <a:prstGeom prst="rect">
+              <a:avLst/>
+            </a:prstGeom>
+          </p:spPr>
+        </p:pic>
+        <p:pic>
+          <p:nvPicPr>
+            <p:cNvPr id="13" name="그림 12"/>
+            <p:cNvPicPr>
+              <a:picLocks noChangeAspect="1"/>
+            </p:cNvPicPr>
+            <p:nvPr/>
+          </p:nvPicPr>
+          <p:blipFill>
+            <a:blip r:embed="rId2"/>
+            <a:stretch>
+              <a:fillRect/>
+            </a:stretch>
+          </p:blipFill>
+          <p:spPr>
+            <a:xfrm>
+              <a:off x="6096000" y="1438381"/>
+              <a:ext cx="920097" cy="912736"/>
+            </a:xfrm>
+            <a:prstGeom prst="rect">
+              <a:avLst/>
+            </a:prstGeom>
+          </p:spPr>
+        </p:pic>
+        <p:sp>
+          <p:nvSpPr>
+            <p:cNvPr id="14" name="TextBox 13"/>
+            <p:cNvSpPr txBox="1"/>
+            <p:nvPr/>
+          </p:nvSpPr>
+          <p:spPr>
+            <a:xfrm>
+              <a:off x="7279824" y="1710083"/>
+              <a:ext cx="627095" cy="369332"/>
+            </a:xfrm>
+            <a:prstGeom prst="rect">
+              <a:avLst/>
+            </a:prstGeom>
+            <a:noFill/>
+          </p:spPr>
+          <p:txBody>
+            <a:bodyPr wrap="none" rtlCol="0">
+              <a:spAutoFit/>
+            </a:bodyPr>
+            <a:lstStyle/>
+            <a:p>
+              <a:r>
+                <a:rPr kumimoji="1" lang="en-US" altLang="ko-KR" smtClean="0"/>
+                <a:t>CEO</a:t>
+              </a:r>
+              <a:endParaRPr kumimoji="1" lang="ko-KR" altLang="en-US" dirty="0"/>
+            </a:p>
+          </p:txBody>
+        </p:sp>
+        <p:pic>
+          <p:nvPicPr>
+            <p:cNvPr id="15" name="그림 14"/>
+            <p:cNvPicPr>
+              <a:picLocks noChangeAspect="1"/>
+            </p:cNvPicPr>
+            <p:nvPr/>
+          </p:nvPicPr>
+          <p:blipFill>
+            <a:blip r:embed="rId2"/>
+            <a:stretch>
+              <a:fillRect/>
+            </a:stretch>
+          </p:blipFill>
+          <p:spPr>
+            <a:xfrm>
+              <a:off x="6168325" y="4348037"/>
+              <a:ext cx="920097" cy="912736"/>
+            </a:xfrm>
+            <a:prstGeom prst="rect">
+              <a:avLst/>
+            </a:prstGeom>
+          </p:spPr>
+        </p:pic>
+        <p:pic>
+          <p:nvPicPr>
+            <p:cNvPr id="16" name="그림 15"/>
+            <p:cNvPicPr>
+              <a:picLocks noChangeAspect="1"/>
+            </p:cNvPicPr>
+            <p:nvPr/>
+          </p:nvPicPr>
+          <p:blipFill>
+            <a:blip r:embed="rId2"/>
+            <a:stretch>
+              <a:fillRect/>
+            </a:stretch>
+          </p:blipFill>
+          <p:spPr>
+            <a:xfrm>
+              <a:off x="6168324" y="5840544"/>
+              <a:ext cx="920097" cy="912736"/>
+            </a:xfrm>
+            <a:prstGeom prst="rect">
+              <a:avLst/>
+            </a:prstGeom>
+          </p:spPr>
+        </p:pic>
+      </p:grpSp>
       <p:pic>
         <p:nvPicPr>
-          <p:cNvPr id="5" name="그림 4"/>
+          <p:cNvPr id="17" name="그림 16"/>
           <p:cNvPicPr>
             <a:picLocks noChangeAspect="1"/>
           </p:cNvPicPr>
@@ -40542,8 +41110,8 @@
         </p:blipFill>
         <p:spPr>
           <a:xfrm>
-            <a:off x="486121" y="851770"/>
-            <a:ext cx="10953750" cy="5867400"/>
+            <a:off x="5622006" y="4250420"/>
+            <a:ext cx="673772" cy="671443"/>
           </a:xfrm>
           <a:prstGeom prst="rect">
             <a:avLst/>
@@ -40552,19 +41120,19 @@
       </p:pic>
       <p:sp>
         <p:nvSpPr>
-          <p:cNvPr id="6" name="타원형 설명선 5"/>
+          <p:cNvPr id="18" name="타원형 설명선[O] 24"/>
           <p:cNvSpPr/>
           <p:nvPr/>
         </p:nvSpPr>
         <p:spPr>
           <a:xfrm>
-            <a:off x="7714211" y="1680789"/>
-            <a:ext cx="3092334" cy="1072342"/>
+            <a:off x="7830216" y="1587171"/>
+            <a:ext cx="3620145" cy="1016024"/>
           </a:xfrm>
           <a:prstGeom prst="wedgeEllipseCallout">
             <a:avLst>
-              <a:gd name="adj1" fmla="val -90596"/>
-              <a:gd name="adj2" fmla="val 99709"/>
+              <a:gd name="adj1" fmla="val -89536"/>
+              <a:gd name="adj2" fmla="val 45204"/>
             </a:avLst>
           </a:prstGeom>
         </p:spPr>
@@ -40590,38 +41158,183 @@
           <a:p>
             <a:pPr algn="ctr"/>
             <a:r>
-              <a:rPr lang="ko-KR" altLang="en-US" dirty="0" smtClean="0"/>
+              <a:rPr lang="ko-KR" altLang="en-US" dirty="0"/>
               <a:t>서비스 이익률</a:t>
             </a:r>
             <a:r>
-              <a:rPr lang="en-US" altLang="ko-KR" dirty="0" smtClean="0"/>
+              <a:rPr lang="en-US" altLang="ko-KR" dirty="0"/>
               <a:t>, </a:t>
             </a:r>
             <a:r>
-              <a:rPr lang="ko-KR" altLang="en-US" dirty="0" smtClean="0"/>
+              <a:rPr lang="ko-KR" altLang="en-US" dirty="0"/>
               <a:t>신규고객창출</a:t>
             </a:r>
             <a:r>
-              <a:rPr lang="en-US" altLang="ko-KR" dirty="0" smtClean="0"/>
+              <a:rPr lang="en-US" altLang="ko-KR" dirty="0"/>
               <a:t>, </a:t>
             </a:r>
             <a:r>
-              <a:rPr lang="ko-KR" altLang="en-US" dirty="0" smtClean="0"/>
+              <a:rPr lang="ko-KR" altLang="en-US" dirty="0"/>
               <a:t>빠른 </a:t>
             </a:r>
             <a:r>
-              <a:rPr lang="ko-KR" altLang="en-US" dirty="0" err="1" smtClean="0"/>
+              <a:rPr lang="ko-KR" altLang="en-US" dirty="0" err="1"/>
               <a:t>설치서비스</a:t>
             </a:r>
             <a:r>
-              <a:rPr lang="ko-KR" altLang="en-US" dirty="0" smtClean="0"/>
+              <a:rPr lang="ko-KR" altLang="en-US" dirty="0"/>
               <a:t> 진행 </a:t>
             </a:r>
             <a:r>
-              <a:rPr lang="en-US" altLang="ko-KR" dirty="0" smtClean="0"/>
+              <a:rPr lang="en-US" altLang="ko-KR" dirty="0"/>
               <a:t>…</a:t>
             </a:r>
             <a:endParaRPr lang="ko-KR" altLang="en-US" dirty="0"/>
+          </a:p>
+        </p:txBody>
+      </p:sp>
+      <p:sp>
+        <p:nvSpPr>
+          <p:cNvPr id="19" name="타원형 설명선[O] 25"/>
+          <p:cNvSpPr/>
+          <p:nvPr/>
+        </p:nvSpPr>
+        <p:spPr>
+          <a:xfrm>
+            <a:off x="7733654" y="2735503"/>
+            <a:ext cx="3620145" cy="1016024"/>
+          </a:xfrm>
+          <a:prstGeom prst="wedgeEllipseCallout">
+            <a:avLst>
+              <a:gd name="adj1" fmla="val -89536"/>
+              <a:gd name="adj2" fmla="val 45204"/>
+            </a:avLst>
+          </a:prstGeom>
+        </p:spPr>
+        <p:style>
+          <a:lnRef idx="2">
+            <a:schemeClr val="accent1">
+              <a:shade val="50000"/>
+            </a:schemeClr>
+          </a:lnRef>
+          <a:fillRef idx="1">
+            <a:schemeClr val="accent1"/>
+          </a:fillRef>
+          <a:effectRef idx="0">
+            <a:schemeClr val="accent1"/>
+          </a:effectRef>
+          <a:fontRef idx="minor">
+            <a:schemeClr val="lt1"/>
+          </a:fontRef>
+        </p:style>
+        <p:txBody>
+          <a:bodyPr rtlCol="0" anchor="ctr"/>
+          <a:lstStyle/>
+          <a:p>
+            <a:pPr algn="ctr"/>
+            <a:r>
+              <a:rPr kumimoji="1" lang="ko-KR" altLang="en-US" dirty="0" smtClean="0"/>
+              <a:t>예쁘고 편리한 </a:t>
+            </a:r>
+            <a:r>
+              <a:rPr kumimoji="1" lang="en-US" altLang="ko-KR" dirty="0" smtClean="0"/>
+              <a:t>UI</a:t>
+            </a:r>
+            <a:endParaRPr kumimoji="1" lang="ko-KR" altLang="en-US" dirty="0"/>
+          </a:p>
+        </p:txBody>
+      </p:sp>
+      <p:sp>
+        <p:nvSpPr>
+          <p:cNvPr id="20" name="타원형 설명선[O] 26"/>
+          <p:cNvSpPr/>
+          <p:nvPr/>
+        </p:nvSpPr>
+        <p:spPr>
+          <a:xfrm>
+            <a:off x="7901799" y="3810839"/>
+            <a:ext cx="3620145" cy="1016024"/>
+          </a:xfrm>
+          <a:prstGeom prst="wedgeEllipseCallout">
+            <a:avLst>
+              <a:gd name="adj1" fmla="val -89536"/>
+              <a:gd name="adj2" fmla="val 45204"/>
+            </a:avLst>
+          </a:prstGeom>
+        </p:spPr>
+        <p:style>
+          <a:lnRef idx="2">
+            <a:schemeClr val="accent1">
+              <a:shade val="50000"/>
+            </a:schemeClr>
+          </a:lnRef>
+          <a:fillRef idx="1">
+            <a:schemeClr val="accent1"/>
+          </a:fillRef>
+          <a:effectRef idx="0">
+            <a:schemeClr val="accent1"/>
+          </a:effectRef>
+          <a:fontRef idx="minor">
+            <a:schemeClr val="lt1"/>
+          </a:fontRef>
+        </p:style>
+        <p:txBody>
+          <a:bodyPr rtlCol="0" anchor="ctr"/>
+          <a:lstStyle/>
+          <a:p>
+            <a:pPr algn="ctr"/>
+            <a:r>
+              <a:rPr kumimoji="1" lang="ko-KR" altLang="en-US" dirty="0" smtClean="0"/>
+              <a:t>안정된 서버 시스템</a:t>
+            </a:r>
+            <a:endParaRPr kumimoji="1" lang="ko-KR" altLang="en-US" dirty="0"/>
+          </a:p>
+        </p:txBody>
+      </p:sp>
+      <p:sp>
+        <p:nvSpPr>
+          <p:cNvPr id="21" name="타원형 설명선[O] 27"/>
+          <p:cNvSpPr/>
+          <p:nvPr/>
+        </p:nvSpPr>
+        <p:spPr>
+          <a:xfrm>
+            <a:off x="7901798" y="4940748"/>
+            <a:ext cx="3620145" cy="1016024"/>
+          </a:xfrm>
+          <a:prstGeom prst="wedgeEllipseCallout">
+            <a:avLst>
+              <a:gd name="adj1" fmla="val -89536"/>
+              <a:gd name="adj2" fmla="val 45204"/>
+            </a:avLst>
+          </a:prstGeom>
+        </p:spPr>
+        <p:style>
+          <a:lnRef idx="2">
+            <a:schemeClr val="accent1">
+              <a:shade val="50000"/>
+            </a:schemeClr>
+          </a:lnRef>
+          <a:fillRef idx="1">
+            <a:schemeClr val="accent1"/>
+          </a:fillRef>
+          <a:effectRef idx="0">
+            <a:schemeClr val="accent1"/>
+          </a:effectRef>
+          <a:fontRef idx="minor">
+            <a:schemeClr val="lt1"/>
+          </a:fontRef>
+        </p:style>
+        <p:txBody>
+          <a:bodyPr rtlCol="0" anchor="ctr"/>
+          <a:lstStyle/>
+          <a:p>
+            <a:pPr algn="ctr"/>
+            <a:r>
+              <a:rPr kumimoji="1" lang="ko-KR" altLang="en-US" dirty="0" smtClean="0"/>
+              <a:t>안정된 데이터베이스 시스템</a:t>
+            </a:r>
+            <a:endParaRPr kumimoji="1" lang="ko-KR" altLang="en-US" dirty="0"/>
           </a:p>
         </p:txBody>
       </p:sp>
@@ -40657,6 +41370,50 @@
       </p:grpSpPr>
       <p:sp>
         <p:nvSpPr>
+          <p:cNvPr id="30" name="직사각형 29"/>
+          <p:cNvSpPr/>
+          <p:nvPr/>
+        </p:nvSpPr>
+        <p:spPr>
+          <a:xfrm>
+            <a:off x="9027799" y="1730210"/>
+            <a:ext cx="1178517" cy="4803102"/>
+          </a:xfrm>
+          <a:prstGeom prst="rect">
+            <a:avLst/>
+          </a:prstGeom>
+        </p:spPr>
+        <p:style>
+          <a:lnRef idx="2">
+            <a:schemeClr val="accent1">
+              <a:shade val="50000"/>
+            </a:schemeClr>
+          </a:lnRef>
+          <a:fillRef idx="1">
+            <a:schemeClr val="accent1"/>
+          </a:fillRef>
+          <a:effectRef idx="0">
+            <a:schemeClr val="accent1"/>
+          </a:effectRef>
+          <a:fontRef idx="minor">
+            <a:schemeClr val="lt1"/>
+          </a:fontRef>
+        </p:style>
+        <p:txBody>
+          <a:bodyPr rtlCol="0" anchor="t"/>
+          <a:lstStyle/>
+          <a:p>
+            <a:pPr algn="ctr"/>
+            <a:r>
+              <a:rPr lang="ko-KR" altLang="en-US" dirty="0" err="1"/>
+              <a:t>설치팀</a:t>
+            </a:r>
+            <a:endParaRPr kumimoji="1" lang="ko-KR" altLang="en-US" dirty="0"/>
+          </a:p>
+        </p:txBody>
+      </p:sp>
+      <p:sp>
+        <p:nvSpPr>
           <p:cNvPr id="4" name="제목 3"/>
           <p:cNvSpPr>
             <a:spLocks noGrp="1"/>
@@ -40684,9 +41441,748 @@
           </a:p>
         </p:txBody>
       </p:sp>
+      <p:sp>
+        <p:nvSpPr>
+          <p:cNvPr id="7" name="타원형 설명선 6"/>
+          <p:cNvSpPr/>
+          <p:nvPr/>
+        </p:nvSpPr>
+        <p:spPr>
+          <a:xfrm>
+            <a:off x="8290045" y="268470"/>
+            <a:ext cx="1346662" cy="1072342"/>
+          </a:xfrm>
+          <a:prstGeom prst="wedgeEllipseCallout">
+            <a:avLst>
+              <a:gd name="adj1" fmla="val -39352"/>
+              <a:gd name="adj2" fmla="val 83172"/>
+            </a:avLst>
+          </a:prstGeom>
+        </p:spPr>
+        <p:style>
+          <a:lnRef idx="2">
+            <a:schemeClr val="accent1">
+              <a:shade val="50000"/>
+            </a:schemeClr>
+          </a:lnRef>
+          <a:fillRef idx="1">
+            <a:schemeClr val="accent1"/>
+          </a:fillRef>
+          <a:effectRef idx="0">
+            <a:schemeClr val="accent1"/>
+          </a:effectRef>
+          <a:fontRef idx="minor">
+            <a:schemeClr val="lt1"/>
+          </a:fontRef>
+        </p:style>
+        <p:txBody>
+          <a:bodyPr rtlCol="0" anchor="ctr"/>
+          <a:lstStyle/>
+          <a:p>
+            <a:pPr algn="ctr"/>
+            <a:r>
+              <a:rPr lang="ko-KR" altLang="en-US" dirty="0" smtClean="0"/>
+              <a:t>고객서비스관리</a:t>
+            </a:r>
+            <a:endParaRPr lang="ko-KR" altLang="en-US" dirty="0"/>
+          </a:p>
+        </p:txBody>
+      </p:sp>
+      <p:sp>
+        <p:nvSpPr>
+          <p:cNvPr id="8" name="타원형 설명선 7"/>
+          <p:cNvSpPr/>
+          <p:nvPr/>
+        </p:nvSpPr>
+        <p:spPr>
+          <a:xfrm>
+            <a:off x="9821922" y="403377"/>
+            <a:ext cx="1346662" cy="1072342"/>
+          </a:xfrm>
+          <a:prstGeom prst="wedgeEllipseCallout">
+            <a:avLst>
+              <a:gd name="adj1" fmla="val -35922"/>
+              <a:gd name="adj2" fmla="val 75420"/>
+            </a:avLst>
+          </a:prstGeom>
+        </p:spPr>
+        <p:style>
+          <a:lnRef idx="2">
+            <a:schemeClr val="accent1">
+              <a:shade val="50000"/>
+            </a:schemeClr>
+          </a:lnRef>
+          <a:fillRef idx="1">
+            <a:schemeClr val="accent1"/>
+          </a:fillRef>
+          <a:effectRef idx="0">
+            <a:schemeClr val="accent1"/>
+          </a:effectRef>
+          <a:fontRef idx="minor">
+            <a:schemeClr val="lt1"/>
+          </a:fontRef>
+        </p:style>
+        <p:txBody>
+          <a:bodyPr rtlCol="0" anchor="ctr"/>
+          <a:lstStyle/>
+          <a:p>
+            <a:pPr algn="ctr"/>
+            <a:r>
+              <a:rPr lang="ko-KR" altLang="en-US" dirty="0" smtClean="0"/>
+              <a:t>신속한설치관리</a:t>
+            </a:r>
+            <a:endParaRPr lang="ko-KR" altLang="en-US" dirty="0"/>
+          </a:p>
+        </p:txBody>
+      </p:sp>
+      <p:sp>
+        <p:nvSpPr>
+          <p:cNvPr id="9" name="직사각형 8"/>
+          <p:cNvSpPr/>
+          <p:nvPr/>
+        </p:nvSpPr>
+        <p:spPr>
+          <a:xfrm>
+            <a:off x="7739498" y="1730210"/>
+            <a:ext cx="1178517" cy="4803102"/>
+          </a:xfrm>
+          <a:prstGeom prst="rect">
+            <a:avLst/>
+          </a:prstGeom>
+        </p:spPr>
+        <p:style>
+          <a:lnRef idx="2">
+            <a:schemeClr val="accent1">
+              <a:shade val="50000"/>
+            </a:schemeClr>
+          </a:lnRef>
+          <a:fillRef idx="1">
+            <a:schemeClr val="accent1"/>
+          </a:fillRef>
+          <a:effectRef idx="0">
+            <a:schemeClr val="accent1"/>
+          </a:effectRef>
+          <a:fontRef idx="minor">
+            <a:schemeClr val="lt1"/>
+          </a:fontRef>
+        </p:style>
+        <p:txBody>
+          <a:bodyPr rtlCol="0" anchor="t"/>
+          <a:lstStyle/>
+          <a:p>
+            <a:pPr algn="ctr"/>
+            <a:r>
+              <a:rPr lang="ko-KR" altLang="en-US" dirty="0"/>
+              <a:t>서비스관리센터</a:t>
+            </a:r>
+            <a:endParaRPr lang="ko-KR" altLang="en-US" dirty="0"/>
+          </a:p>
+        </p:txBody>
+      </p:sp>
+      <p:sp>
+        <p:nvSpPr>
+          <p:cNvPr id="10" name="직사각형 9"/>
+          <p:cNvSpPr/>
+          <p:nvPr/>
+        </p:nvSpPr>
+        <p:spPr>
+          <a:xfrm>
+            <a:off x="6369899" y="1730210"/>
+            <a:ext cx="1178517" cy="4803102"/>
+          </a:xfrm>
+          <a:prstGeom prst="rect">
+            <a:avLst/>
+          </a:prstGeom>
+        </p:spPr>
+        <p:style>
+          <a:lnRef idx="2">
+            <a:schemeClr val="accent1">
+              <a:shade val="50000"/>
+            </a:schemeClr>
+          </a:lnRef>
+          <a:fillRef idx="1">
+            <a:schemeClr val="accent1"/>
+          </a:fillRef>
+          <a:effectRef idx="0">
+            <a:schemeClr val="accent1"/>
+          </a:effectRef>
+          <a:fontRef idx="minor">
+            <a:schemeClr val="lt1"/>
+          </a:fontRef>
+        </p:style>
+        <p:txBody>
+          <a:bodyPr rtlCol="0" anchor="t"/>
+          <a:lstStyle/>
+          <a:p>
+            <a:pPr algn="ctr"/>
+            <a:r>
+              <a:rPr lang="ko-KR" altLang="en-US" dirty="0" err="1"/>
+              <a:t>가입접수팀</a:t>
+            </a:r>
+            <a:endParaRPr lang="ko-KR" altLang="en-US" dirty="0"/>
+          </a:p>
+        </p:txBody>
+      </p:sp>
+      <p:sp>
+        <p:nvSpPr>
+          <p:cNvPr id="11" name="TextBox 10"/>
+          <p:cNvSpPr txBox="1"/>
+          <p:nvPr/>
+        </p:nvSpPr>
+        <p:spPr>
+          <a:xfrm>
+            <a:off x="2230433" y="3465906"/>
+            <a:ext cx="627095" cy="369332"/>
+          </a:xfrm>
+          <a:prstGeom prst="rect">
+            <a:avLst/>
+          </a:prstGeom>
+          <a:noFill/>
+        </p:spPr>
+        <p:txBody>
+          <a:bodyPr wrap="none" rtlCol="0">
+            <a:spAutoFit/>
+          </a:bodyPr>
+          <a:lstStyle/>
+          <a:p>
+            <a:r>
+              <a:rPr kumimoji="1" lang="en-US" altLang="ko-KR" smtClean="0"/>
+              <a:t>CEO</a:t>
+            </a:r>
+            <a:endParaRPr kumimoji="1" lang="ko-KR" altLang="en-US" dirty="0"/>
+          </a:p>
+        </p:txBody>
+      </p:sp>
+      <p:grpSp>
+        <p:nvGrpSpPr>
+          <p:cNvPr id="12" name="그룹 11"/>
+          <p:cNvGrpSpPr/>
+          <p:nvPr/>
+        </p:nvGrpSpPr>
+        <p:grpSpPr>
+          <a:xfrm>
+            <a:off x="4543811" y="2074236"/>
+            <a:ext cx="5847097" cy="4069678"/>
+            <a:chOff x="1069382" y="961438"/>
+            <a:chExt cx="7873140" cy="5866938"/>
+          </a:xfrm>
+        </p:grpSpPr>
+        <p:sp>
+          <p:nvSpPr>
+            <p:cNvPr id="13" name="직사각형 12"/>
+            <p:cNvSpPr/>
+            <p:nvPr/>
+          </p:nvSpPr>
+          <p:spPr>
+            <a:xfrm>
+              <a:off x="1069383" y="5480024"/>
+              <a:ext cx="7873139" cy="1348352"/>
+            </a:xfrm>
+            <a:prstGeom prst="rect">
+              <a:avLst/>
+            </a:prstGeom>
+            <a:noFill/>
+          </p:spPr>
+          <p:style>
+            <a:lnRef idx="2">
+              <a:schemeClr val="accent1">
+                <a:shade val="50000"/>
+              </a:schemeClr>
+            </a:lnRef>
+            <a:fillRef idx="1">
+              <a:schemeClr val="accent1"/>
+            </a:fillRef>
+            <a:effectRef idx="0">
+              <a:schemeClr val="accent1"/>
+            </a:effectRef>
+            <a:fontRef idx="minor">
+              <a:schemeClr val="lt1"/>
+            </a:fontRef>
+          </p:style>
+          <p:txBody>
+            <a:bodyPr rtlCol="0" anchor="ctr"/>
+            <a:lstStyle/>
+            <a:p>
+              <a:r>
+                <a:rPr kumimoji="1" lang="en-US" altLang="ko-KR" dirty="0" smtClean="0">
+                  <a:solidFill>
+                    <a:schemeClr val="accent1">
+                      <a:lumMod val="75000"/>
+                    </a:schemeClr>
+                  </a:solidFill>
+                </a:rPr>
+                <a:t>DBA </a:t>
+              </a:r>
+              <a:endParaRPr kumimoji="1" lang="ko-KR" altLang="en-US" dirty="0">
+                <a:solidFill>
+                  <a:schemeClr val="accent1">
+                    <a:lumMod val="75000"/>
+                  </a:schemeClr>
+                </a:solidFill>
+              </a:endParaRPr>
+            </a:p>
+          </p:txBody>
+        </p:sp>
+        <p:sp>
+          <p:nvSpPr>
+            <p:cNvPr id="14" name="직사각형 13"/>
+            <p:cNvSpPr/>
+            <p:nvPr/>
+          </p:nvSpPr>
+          <p:spPr>
+            <a:xfrm>
+              <a:off x="1069382" y="3927611"/>
+              <a:ext cx="7873139" cy="1348352"/>
+            </a:xfrm>
+            <a:prstGeom prst="rect">
+              <a:avLst/>
+            </a:prstGeom>
+            <a:noFill/>
+          </p:spPr>
+          <p:style>
+            <a:lnRef idx="2">
+              <a:schemeClr val="accent1">
+                <a:shade val="50000"/>
+              </a:schemeClr>
+            </a:lnRef>
+            <a:fillRef idx="1">
+              <a:schemeClr val="accent1"/>
+            </a:fillRef>
+            <a:effectRef idx="0">
+              <a:schemeClr val="accent1"/>
+            </a:effectRef>
+            <a:fontRef idx="minor">
+              <a:schemeClr val="lt1"/>
+            </a:fontRef>
+          </p:style>
+          <p:txBody>
+            <a:bodyPr rtlCol="0" anchor="ctr"/>
+            <a:lstStyle/>
+            <a:p>
+              <a:r>
+                <a:rPr kumimoji="1" lang="en-US" altLang="ko-KR" dirty="0" smtClean="0">
+                  <a:solidFill>
+                    <a:schemeClr val="accent1">
+                      <a:lumMod val="75000"/>
+                    </a:schemeClr>
+                  </a:solidFill>
+                </a:rPr>
+                <a:t>Backend Developer</a:t>
+              </a:r>
+              <a:endParaRPr kumimoji="1" lang="ko-KR" altLang="en-US" dirty="0">
+                <a:solidFill>
+                  <a:schemeClr val="accent1">
+                    <a:lumMod val="75000"/>
+                  </a:schemeClr>
+                </a:solidFill>
+              </a:endParaRPr>
+            </a:p>
+          </p:txBody>
+        </p:sp>
+        <p:sp>
+          <p:nvSpPr>
+            <p:cNvPr id="15" name="직사각형 14"/>
+            <p:cNvSpPr/>
+            <p:nvPr/>
+          </p:nvSpPr>
+          <p:spPr>
+            <a:xfrm>
+              <a:off x="1069382" y="961438"/>
+              <a:ext cx="7873139" cy="1348352"/>
+            </a:xfrm>
+            <a:prstGeom prst="rect">
+              <a:avLst/>
+            </a:prstGeom>
+            <a:noFill/>
+          </p:spPr>
+          <p:style>
+            <a:lnRef idx="2">
+              <a:schemeClr val="accent1">
+                <a:shade val="50000"/>
+              </a:schemeClr>
+            </a:lnRef>
+            <a:fillRef idx="1">
+              <a:schemeClr val="accent1"/>
+            </a:fillRef>
+            <a:effectRef idx="0">
+              <a:schemeClr val="accent1"/>
+            </a:effectRef>
+            <a:fontRef idx="minor">
+              <a:schemeClr val="lt1"/>
+            </a:fontRef>
+          </p:style>
+          <p:txBody>
+            <a:bodyPr rtlCol="0" anchor="ctr"/>
+            <a:lstStyle/>
+            <a:p>
+              <a:r>
+                <a:rPr kumimoji="1" lang="en-US" altLang="ko-KR" dirty="0" smtClean="0">
+                  <a:solidFill>
+                    <a:schemeClr val="accent1">
+                      <a:lumMod val="75000"/>
+                    </a:schemeClr>
+                  </a:solidFill>
+                </a:rPr>
+                <a:t>PO</a:t>
+              </a:r>
+              <a:endParaRPr kumimoji="1" lang="ko-KR" altLang="en-US" dirty="0">
+                <a:solidFill>
+                  <a:schemeClr val="accent1">
+                    <a:lumMod val="75000"/>
+                  </a:schemeClr>
+                </a:solidFill>
+              </a:endParaRPr>
+            </a:p>
+          </p:txBody>
+        </p:sp>
+        <p:pic>
+          <p:nvPicPr>
+            <p:cNvPr id="16" name="그림 15"/>
+            <p:cNvPicPr>
+              <a:picLocks noChangeAspect="1"/>
+            </p:cNvPicPr>
+            <p:nvPr/>
+          </p:nvPicPr>
+          <p:blipFill>
+            <a:blip r:embed="rId2"/>
+            <a:stretch>
+              <a:fillRect/>
+            </a:stretch>
+          </p:blipFill>
+          <p:spPr>
+            <a:xfrm>
+              <a:off x="3890074" y="2695036"/>
+              <a:ext cx="920097" cy="912736"/>
+            </a:xfrm>
+            <a:prstGeom prst="rect">
+              <a:avLst/>
+            </a:prstGeom>
+          </p:spPr>
+        </p:pic>
+        <p:pic>
+          <p:nvPicPr>
+            <p:cNvPr id="17" name="그림 16"/>
+            <p:cNvPicPr>
+              <a:picLocks noChangeAspect="1"/>
+            </p:cNvPicPr>
+            <p:nvPr/>
+          </p:nvPicPr>
+          <p:blipFill>
+            <a:blip r:embed="rId2"/>
+            <a:stretch>
+              <a:fillRect/>
+            </a:stretch>
+          </p:blipFill>
+          <p:spPr>
+            <a:xfrm>
+              <a:off x="5697802" y="2650352"/>
+              <a:ext cx="920097" cy="912736"/>
+            </a:xfrm>
+            <a:prstGeom prst="rect">
+              <a:avLst/>
+            </a:prstGeom>
+          </p:spPr>
+        </p:pic>
+        <p:pic>
+          <p:nvPicPr>
+            <p:cNvPr id="18" name="그림 17"/>
+            <p:cNvPicPr>
+              <a:picLocks noChangeAspect="1"/>
+            </p:cNvPicPr>
+            <p:nvPr/>
+          </p:nvPicPr>
+          <p:blipFill>
+            <a:blip r:embed="rId2"/>
+            <a:stretch>
+              <a:fillRect/>
+            </a:stretch>
+          </p:blipFill>
+          <p:spPr>
+            <a:xfrm>
+              <a:off x="3890071" y="1336351"/>
+              <a:ext cx="920097" cy="912736"/>
+            </a:xfrm>
+            <a:prstGeom prst="rect">
+              <a:avLst/>
+            </a:prstGeom>
+          </p:spPr>
+        </p:pic>
+        <p:pic>
+          <p:nvPicPr>
+            <p:cNvPr id="19" name="그림 18"/>
+            <p:cNvPicPr>
+              <a:picLocks noChangeAspect="1"/>
+            </p:cNvPicPr>
+            <p:nvPr/>
+          </p:nvPicPr>
+          <p:blipFill>
+            <a:blip r:embed="rId2"/>
+            <a:stretch>
+              <a:fillRect/>
+            </a:stretch>
+          </p:blipFill>
+          <p:spPr>
+            <a:xfrm>
+              <a:off x="3890073" y="4205325"/>
+              <a:ext cx="920097" cy="912736"/>
+            </a:xfrm>
+            <a:prstGeom prst="rect">
+              <a:avLst/>
+            </a:prstGeom>
+          </p:spPr>
+        </p:pic>
+        <p:pic>
+          <p:nvPicPr>
+            <p:cNvPr id="20" name="그림 19"/>
+            <p:cNvPicPr>
+              <a:picLocks noChangeAspect="1"/>
+            </p:cNvPicPr>
+            <p:nvPr/>
+          </p:nvPicPr>
+          <p:blipFill>
+            <a:blip r:embed="rId2"/>
+            <a:stretch>
+              <a:fillRect/>
+            </a:stretch>
+          </p:blipFill>
+          <p:spPr>
+            <a:xfrm>
+              <a:off x="5730583" y="4156218"/>
+              <a:ext cx="920097" cy="912736"/>
+            </a:xfrm>
+            <a:prstGeom prst="rect">
+              <a:avLst/>
+            </a:prstGeom>
+          </p:spPr>
+        </p:pic>
+        <p:pic>
+          <p:nvPicPr>
+            <p:cNvPr id="21" name="그림 20"/>
+            <p:cNvPicPr>
+              <a:picLocks noChangeAspect="1"/>
+            </p:cNvPicPr>
+            <p:nvPr/>
+          </p:nvPicPr>
+          <p:blipFill>
+            <a:blip r:embed="rId2"/>
+            <a:stretch>
+              <a:fillRect/>
+            </a:stretch>
+          </p:blipFill>
+          <p:spPr>
+            <a:xfrm>
+              <a:off x="3890072" y="5697832"/>
+              <a:ext cx="920097" cy="912736"/>
+            </a:xfrm>
+            <a:prstGeom prst="rect">
+              <a:avLst/>
+            </a:prstGeom>
+          </p:spPr>
+        </p:pic>
+        <p:pic>
+          <p:nvPicPr>
+            <p:cNvPr id="22" name="그림 21"/>
+            <p:cNvPicPr>
+              <a:picLocks noChangeAspect="1"/>
+            </p:cNvPicPr>
+            <p:nvPr/>
+          </p:nvPicPr>
+          <p:blipFill>
+            <a:blip r:embed="rId2"/>
+            <a:stretch>
+              <a:fillRect/>
+            </a:stretch>
+          </p:blipFill>
+          <p:spPr>
+            <a:xfrm>
+              <a:off x="5730583" y="5653147"/>
+              <a:ext cx="920097" cy="912736"/>
+            </a:xfrm>
+            <a:prstGeom prst="rect">
+              <a:avLst/>
+            </a:prstGeom>
+          </p:spPr>
+        </p:pic>
+        <p:pic>
+          <p:nvPicPr>
+            <p:cNvPr id="23" name="그림 22"/>
+            <p:cNvPicPr>
+              <a:picLocks noChangeAspect="1"/>
+            </p:cNvPicPr>
+            <p:nvPr/>
+          </p:nvPicPr>
+          <p:blipFill>
+            <a:blip r:embed="rId2"/>
+            <a:stretch>
+              <a:fillRect/>
+            </a:stretch>
+          </p:blipFill>
+          <p:spPr>
+            <a:xfrm>
+              <a:off x="5697801" y="1291666"/>
+              <a:ext cx="920097" cy="912736"/>
+            </a:xfrm>
+            <a:prstGeom prst="rect">
+              <a:avLst/>
+            </a:prstGeom>
+          </p:spPr>
+        </p:pic>
+        <p:sp>
+          <p:nvSpPr>
+            <p:cNvPr id="24" name="직사각형 23"/>
+            <p:cNvSpPr/>
+            <p:nvPr/>
+          </p:nvSpPr>
+          <p:spPr>
+            <a:xfrm>
+              <a:off x="1069382" y="2440402"/>
+              <a:ext cx="7873139" cy="1348352"/>
+            </a:xfrm>
+            <a:prstGeom prst="rect">
+              <a:avLst/>
+            </a:prstGeom>
+            <a:noFill/>
+          </p:spPr>
+          <p:style>
+            <a:lnRef idx="2">
+              <a:schemeClr val="accent1">
+                <a:shade val="50000"/>
+              </a:schemeClr>
+            </a:lnRef>
+            <a:fillRef idx="1">
+              <a:schemeClr val="accent1"/>
+            </a:fillRef>
+            <a:effectRef idx="0">
+              <a:schemeClr val="accent1"/>
+            </a:effectRef>
+            <a:fontRef idx="minor">
+              <a:schemeClr val="lt1"/>
+            </a:fontRef>
+          </p:style>
+          <p:txBody>
+            <a:bodyPr rtlCol="0" anchor="ctr"/>
+            <a:lstStyle/>
+            <a:p>
+              <a:r>
+                <a:rPr kumimoji="1" lang="en-US" altLang="ko-KR" dirty="0" smtClean="0">
+                  <a:solidFill>
+                    <a:schemeClr val="accent1">
+                      <a:lumMod val="75000"/>
+                    </a:schemeClr>
+                  </a:solidFill>
+                </a:rPr>
+                <a:t>UI Developer</a:t>
+              </a:r>
+              <a:endParaRPr kumimoji="1" lang="ko-KR" altLang="en-US" dirty="0">
+                <a:solidFill>
+                  <a:schemeClr val="accent1">
+                    <a:lumMod val="75000"/>
+                  </a:schemeClr>
+                </a:solidFill>
+              </a:endParaRPr>
+            </a:p>
+          </p:txBody>
+        </p:sp>
+        <p:pic>
+          <p:nvPicPr>
+            <p:cNvPr id="31" name="그림 30"/>
+            <p:cNvPicPr>
+              <a:picLocks noChangeAspect="1"/>
+            </p:cNvPicPr>
+            <p:nvPr/>
+          </p:nvPicPr>
+          <p:blipFill>
+            <a:blip r:embed="rId2"/>
+            <a:stretch>
+              <a:fillRect/>
+            </a:stretch>
+          </p:blipFill>
+          <p:spPr>
+            <a:xfrm>
+              <a:off x="7466939" y="2650352"/>
+              <a:ext cx="920097" cy="912736"/>
+            </a:xfrm>
+            <a:prstGeom prst="rect">
+              <a:avLst/>
+            </a:prstGeom>
+          </p:spPr>
+        </p:pic>
+        <p:pic>
+          <p:nvPicPr>
+            <p:cNvPr id="32" name="그림 31"/>
+            <p:cNvPicPr>
+              <a:picLocks noChangeAspect="1"/>
+            </p:cNvPicPr>
+            <p:nvPr/>
+          </p:nvPicPr>
+          <p:blipFill>
+            <a:blip r:embed="rId2"/>
+            <a:stretch>
+              <a:fillRect/>
+            </a:stretch>
+          </p:blipFill>
+          <p:spPr>
+            <a:xfrm>
+              <a:off x="7499720" y="4156218"/>
+              <a:ext cx="920097" cy="912736"/>
+            </a:xfrm>
+            <a:prstGeom prst="rect">
+              <a:avLst/>
+            </a:prstGeom>
+          </p:spPr>
+        </p:pic>
+        <p:pic>
+          <p:nvPicPr>
+            <p:cNvPr id="33" name="그림 32"/>
+            <p:cNvPicPr>
+              <a:picLocks noChangeAspect="1"/>
+            </p:cNvPicPr>
+            <p:nvPr/>
+          </p:nvPicPr>
+          <p:blipFill>
+            <a:blip r:embed="rId2"/>
+            <a:stretch>
+              <a:fillRect/>
+            </a:stretch>
+          </p:blipFill>
+          <p:spPr>
+            <a:xfrm>
+              <a:off x="7499720" y="5653147"/>
+              <a:ext cx="920097" cy="912736"/>
+            </a:xfrm>
+            <a:prstGeom prst="rect">
+              <a:avLst/>
+            </a:prstGeom>
+          </p:spPr>
+        </p:pic>
+        <p:pic>
+          <p:nvPicPr>
+            <p:cNvPr id="34" name="그림 33"/>
+            <p:cNvPicPr>
+              <a:picLocks noChangeAspect="1"/>
+            </p:cNvPicPr>
+            <p:nvPr/>
+          </p:nvPicPr>
+          <p:blipFill>
+            <a:blip r:embed="rId2"/>
+            <a:stretch>
+              <a:fillRect/>
+            </a:stretch>
+          </p:blipFill>
+          <p:spPr>
+            <a:xfrm>
+              <a:off x="7466938" y="1291666"/>
+              <a:ext cx="920097" cy="912736"/>
+            </a:xfrm>
+            <a:prstGeom prst="rect">
+              <a:avLst/>
+            </a:prstGeom>
+          </p:spPr>
+        </p:pic>
+      </p:grpSp>
       <p:pic>
         <p:nvPicPr>
-          <p:cNvPr id="2" name="그림 1"/>
+          <p:cNvPr id="25" name="그림 24"/>
           <p:cNvPicPr>
             <a:picLocks noChangeAspect="1"/>
           </p:cNvPicPr>
@@ -40700,8 +42196,8 @@
         </p:blipFill>
         <p:spPr>
           <a:xfrm>
-            <a:off x="714375" y="1123084"/>
-            <a:ext cx="10763250" cy="6191250"/>
+            <a:off x="2083931" y="2553170"/>
+            <a:ext cx="920097" cy="912736"/>
           </a:xfrm>
           <a:prstGeom prst="rect">
             <a:avLst/>
@@ -40710,14 +42206,14 @@
       </p:pic>
       <p:sp>
         <p:nvSpPr>
-          <p:cNvPr id="3" name="TextBox 2"/>
+          <p:cNvPr id="26" name="TextBox 25"/>
           <p:cNvSpPr txBox="1"/>
           <p:nvPr/>
         </p:nvSpPr>
         <p:spPr>
           <a:xfrm>
-            <a:off x="880342" y="2651760"/>
-            <a:ext cx="1338828" cy="369332"/>
+            <a:off x="2290833" y="5248849"/>
+            <a:ext cx="620811" cy="369332"/>
           </a:xfrm>
           <a:prstGeom prst="rect">
             <a:avLst/>
@@ -40731,83 +42227,47 @@
           <a:lstStyle/>
           <a:p>
             <a:r>
-              <a:rPr lang="ko-KR" altLang="en-US" dirty="0" err="1" smtClean="0"/>
-              <a:t>가입접수팀</a:t>
-            </a:r>
-            <a:endParaRPr lang="ko-KR" altLang="en-US" dirty="0"/>
+              <a:rPr kumimoji="1" lang="en-US" altLang="ko-KR" dirty="0" smtClean="0"/>
+              <a:t>CTO</a:t>
+            </a:r>
+            <a:endParaRPr kumimoji="1" lang="ko-KR" altLang="en-US" dirty="0"/>
           </a:p>
         </p:txBody>
       </p:sp>
-      <p:sp>
-        <p:nvSpPr>
-          <p:cNvPr id="5" name="TextBox 4"/>
-          <p:cNvSpPr txBox="1"/>
+      <p:pic>
+        <p:nvPicPr>
+          <p:cNvPr id="27" name="그림 26"/>
+          <p:cNvPicPr>
+            <a:picLocks noChangeAspect="1"/>
+          </p:cNvPicPr>
           <p:nvPr/>
-        </p:nvSpPr>
+        </p:nvPicPr>
+        <p:blipFill>
+          <a:blip r:embed="rId2"/>
+          <a:stretch>
+            <a:fillRect/>
+          </a:stretch>
+        </p:blipFill>
         <p:spPr>
           <a:xfrm>
-            <a:off x="2343381" y="2651760"/>
-            <a:ext cx="1800493" cy="369332"/>
+            <a:off x="2144331" y="4336113"/>
+            <a:ext cx="920097" cy="912736"/>
           </a:xfrm>
           <a:prstGeom prst="rect">
             <a:avLst/>
           </a:prstGeom>
-          <a:noFill/>
         </p:spPr>
-        <p:txBody>
-          <a:bodyPr wrap="none" rtlCol="0">
-            <a:spAutoFit/>
-          </a:bodyPr>
-          <a:lstStyle/>
-          <a:p>
-            <a:r>
-              <a:rPr lang="ko-KR" altLang="en-US" dirty="0" smtClean="0"/>
-              <a:t>서비스관리센터</a:t>
-            </a:r>
-            <a:endParaRPr lang="ko-KR" altLang="en-US" dirty="0"/>
-          </a:p>
-        </p:txBody>
-      </p:sp>
+      </p:pic>
       <p:sp>
         <p:nvSpPr>
-          <p:cNvPr id="6" name="TextBox 5"/>
-          <p:cNvSpPr txBox="1"/>
-          <p:nvPr/>
-        </p:nvSpPr>
-        <p:spPr>
-          <a:xfrm>
-            <a:off x="4309840" y="2726575"/>
-            <a:ext cx="877163" cy="369332"/>
-          </a:xfrm>
-          <a:prstGeom prst="rect">
-            <a:avLst/>
-          </a:prstGeom>
-          <a:noFill/>
-        </p:spPr>
-        <p:txBody>
-          <a:bodyPr wrap="none" rtlCol="0">
-            <a:spAutoFit/>
-          </a:bodyPr>
-          <a:lstStyle/>
-          <a:p>
-            <a:r>
-              <a:rPr lang="ko-KR" altLang="en-US" smtClean="0"/>
-              <a:t>설치팀</a:t>
-            </a:r>
-            <a:endParaRPr lang="ko-KR" altLang="en-US" dirty="0"/>
-          </a:p>
-        </p:txBody>
-      </p:sp>
-      <p:sp>
-        <p:nvSpPr>
-          <p:cNvPr id="7" name="타원형 설명선 6"/>
+          <p:cNvPr id="28" name="타원형 설명선[O] 3"/>
           <p:cNvSpPr/>
           <p:nvPr/>
         </p:nvSpPr>
         <p:spPr>
           <a:xfrm>
-            <a:off x="8271163" y="1123084"/>
-            <a:ext cx="1346662" cy="1072342"/>
+            <a:off x="6286857" y="381961"/>
+            <a:ext cx="1664491" cy="1076217"/>
           </a:xfrm>
           <a:prstGeom prst="wedgeEllipseCallout">
             <a:avLst/>
@@ -40835,54 +42295,34 @@
           <a:p>
             <a:pPr algn="ctr"/>
             <a:r>
-              <a:rPr lang="ko-KR" altLang="en-US" dirty="0" smtClean="0"/>
-              <a:t>고객서비스관리</a:t>
-            </a:r>
-            <a:endParaRPr lang="ko-KR" altLang="en-US" dirty="0"/>
+              <a:rPr kumimoji="1" lang="en-US" altLang="ko-KR" dirty="0" smtClean="0"/>
+              <a:t>24</a:t>
+            </a:r>
+            <a:r>
+              <a:rPr kumimoji="1" lang="ko-KR" altLang="en-US" dirty="0" smtClean="0"/>
+              <a:t>시간 </a:t>
+            </a:r>
+            <a:r>
+              <a:rPr kumimoji="1" lang="ko-KR" altLang="en-US" dirty="0" smtClean="0"/>
+              <a:t>주문</a:t>
+            </a:r>
+            <a:endParaRPr kumimoji="1" lang="en-US" altLang="ko-KR" dirty="0" smtClean="0"/>
           </a:p>
-        </p:txBody>
-      </p:sp>
-      <p:sp>
-        <p:nvSpPr>
-          <p:cNvPr id="8" name="타원형 설명선 7"/>
-          <p:cNvSpPr/>
-          <p:nvPr/>
-        </p:nvSpPr>
-        <p:spPr>
-          <a:xfrm>
-            <a:off x="9874394" y="1123084"/>
-            <a:ext cx="1346662" cy="1072342"/>
-          </a:xfrm>
-          <a:prstGeom prst="wedgeEllipseCallout">
-            <a:avLst/>
-          </a:prstGeom>
-        </p:spPr>
-        <p:style>
-          <a:lnRef idx="2">
-            <a:schemeClr val="accent1">
-              <a:shade val="50000"/>
-            </a:schemeClr>
-          </a:lnRef>
-          <a:fillRef idx="1">
-            <a:schemeClr val="accent1"/>
-          </a:fillRef>
-          <a:effectRef idx="0">
-            <a:schemeClr val="accent1"/>
-          </a:effectRef>
-          <a:fontRef idx="minor">
-            <a:schemeClr val="lt1"/>
-          </a:fontRef>
-        </p:style>
-        <p:txBody>
-          <a:bodyPr rtlCol="0" anchor="ctr"/>
-          <a:lstStyle/>
           <a:p>
             <a:pPr algn="ctr"/>
             <a:r>
-              <a:rPr lang="ko-KR" altLang="en-US" dirty="0" smtClean="0"/>
-              <a:t>신속한설치관리</a:t>
-            </a:r>
-            <a:endParaRPr lang="ko-KR" altLang="en-US" dirty="0"/>
+              <a:rPr kumimoji="1" lang="en-US" altLang="ko-KR" dirty="0" smtClean="0"/>
+              <a:t>(</a:t>
+            </a:r>
+            <a:r>
+              <a:rPr kumimoji="1" lang="ko-KR" altLang="en-US" dirty="0" smtClean="0"/>
+              <a:t>가입신청</a:t>
+            </a:r>
+            <a:r>
+              <a:rPr kumimoji="1" lang="en-US" altLang="ko-KR" dirty="0" smtClean="0"/>
+              <a:t>)</a:t>
+            </a:r>
+            <a:endParaRPr kumimoji="1" lang="ko-KR" altLang="en-US" dirty="0"/>
           </a:p>
         </p:txBody>
       </p:sp>

--- a/실습프로젝트설계_ipTVShopProject.pptx
+++ b/실습프로젝트설계_ipTVShopProject.pptx
@@ -25,8 +25,9 @@
     <p:sldId id="282" r:id="rId19"/>
     <p:sldId id="283" r:id="rId20"/>
     <p:sldId id="268" r:id="rId21"/>
-    <p:sldId id="284" r:id="rId22"/>
-    <p:sldId id="285" r:id="rId23"/>
+    <p:sldId id="286" r:id="rId22"/>
+    <p:sldId id="284" r:id="rId23"/>
+    <p:sldId id="285" r:id="rId24"/>
   </p:sldIdLst>
   <p:sldSz cx="12192000" cy="6858000"/>
   <p:notesSz cx="6858000" cy="9144000"/>
@@ -150,6 +151,7 @@
             <p14:sldId id="282"/>
             <p14:sldId id="283"/>
             <p14:sldId id="268"/>
+            <p14:sldId id="286"/>
             <p14:sldId id="284"/>
             <p14:sldId id="285"/>
           </p14:sldIdLst>
@@ -7766,18 +7768,6 @@
                 </a:rPr>
                 <a:t>취소처리결정</a:t>
               </a:r>
-              <a:endParaRPr lang="ko-KR" altLang="en-US" sz="1000" b="1" dirty="0">
-                <a:ln>
-                  <a:solidFill>
-                    <a:schemeClr val="bg1">
-                      <a:alpha val="20000"/>
-                    </a:schemeClr>
-                  </a:solidFill>
-                </a:ln>
-                <a:solidFill>
-                  <a:schemeClr val="tx1"/>
-                </a:solidFill>
-              </a:endParaRPr>
             </a:p>
           </p:txBody>
         </p:sp>
@@ -7853,18 +7843,6 @@
                 </a:rPr>
                 <a:t> 처리</a:t>
               </a:r>
-              <a:endParaRPr lang="ko-KR" altLang="en-US" sz="1000" b="1" dirty="0">
-                <a:ln>
-                  <a:solidFill>
-                    <a:schemeClr val="bg1">
-                      <a:alpha val="20000"/>
-                    </a:schemeClr>
-                  </a:solidFill>
-                </a:ln>
-                <a:solidFill>
-                  <a:schemeClr val="tx1"/>
-                </a:solidFill>
-              </a:endParaRPr>
             </a:p>
           </p:txBody>
         </p:sp>
@@ -10704,18 +10682,7 @@
                   </a:schemeClr>
                 </a:solidFill>
               </a:rPr>
-              <a:t> </a:t>
-            </a:r>
-            <a:r>
-              <a:rPr lang="ko-KR" altLang="en-US" sz="1200" b="1" dirty="0" smtClean="0">
-                <a:solidFill>
-                  <a:schemeClr val="tx1">
-                    <a:lumMod val="65000"/>
-                    <a:lumOff val="35000"/>
-                  </a:schemeClr>
-                </a:solidFill>
-              </a:rPr>
-              <a:t>시스템이 처리 하도록 수정</a:t>
+              <a:t> 시스템이 처리 하도록 수정</a:t>
             </a:r>
             <a:endParaRPr lang="ko-KR" altLang="en-US" sz="1200" b="1" dirty="0">
               <a:solidFill>
@@ -13375,18 +13342,6 @@
                 </a:rPr>
                 <a:t>취소처리결정</a:t>
               </a:r>
-              <a:endParaRPr lang="ko-KR" altLang="en-US" sz="1000" b="1" dirty="0">
-                <a:ln>
-                  <a:solidFill>
-                    <a:schemeClr val="bg1">
-                      <a:alpha val="20000"/>
-                    </a:schemeClr>
-                  </a:solidFill>
-                </a:ln>
-                <a:solidFill>
-                  <a:schemeClr val="tx1"/>
-                </a:solidFill>
-              </a:endParaRPr>
             </a:p>
           </p:txBody>
         </p:sp>
@@ -17912,22 +17867,7 @@
                     <a:schemeClr val="tx1"/>
                   </a:solidFill>
                 </a:rPr>
-                <a:t>취소 </a:t>
-              </a:r>
-              <a:r>
-                <a:rPr lang="ko-KR" altLang="en-US" sz="1000" b="1" dirty="0" smtClean="0">
-                  <a:ln>
-                    <a:solidFill>
-                      <a:schemeClr val="bg1">
-                        <a:alpha val="20000"/>
-                      </a:schemeClr>
-                    </a:solidFill>
-                  </a:ln>
-                  <a:solidFill>
-                    <a:schemeClr val="tx1"/>
-                  </a:solidFill>
-                </a:rPr>
-                <a:t>신청 접수됨</a:t>
+                <a:t>취소 신청 접수됨</a:t>
               </a:r>
               <a:endParaRPr lang="ko-KR" altLang="en-US" sz="1000" b="1" dirty="0">
                 <a:ln>
@@ -18001,18 +17941,6 @@
                 </a:rPr>
                 <a:t>취소처리결정</a:t>
               </a:r>
-              <a:endParaRPr lang="ko-KR" altLang="en-US" sz="1000" b="1" dirty="0">
-                <a:ln>
-                  <a:solidFill>
-                    <a:schemeClr val="bg1">
-                      <a:alpha val="20000"/>
-                    </a:schemeClr>
-                  </a:solidFill>
-                </a:ln>
-                <a:solidFill>
-                  <a:schemeClr val="tx1"/>
-                </a:solidFill>
-              </a:endParaRPr>
             </a:p>
           </p:txBody>
         </p:sp>
@@ -22990,18 +22918,6 @@
               </a:rPr>
               <a:t>취소처리결정</a:t>
             </a:r>
-            <a:endParaRPr lang="ko-KR" altLang="en-US" sz="1000" b="1" dirty="0">
-              <a:ln>
-                <a:solidFill>
-                  <a:schemeClr val="bg1">
-                    <a:alpha val="20000"/>
-                  </a:schemeClr>
-                </a:solidFill>
-              </a:ln>
-              <a:solidFill>
-                <a:schemeClr val="tx1"/>
-              </a:solidFill>
-            </a:endParaRPr>
           </a:p>
         </p:txBody>
       </p:sp>
@@ -27123,11 +27039,7 @@
             </a:r>
             <a:r>
               <a:rPr lang="en-US" altLang="ko-KR" sz="1200" dirty="0" smtClean="0"/>
-              <a:t>. </a:t>
-            </a:r>
-            <a:r>
-              <a:rPr lang="en-US" altLang="ko-KR" sz="1200" dirty="0" smtClean="0"/>
-              <a:t>(ok)</a:t>
+              <a:t>. (ok)</a:t>
             </a:r>
             <a:endParaRPr lang="en-US" altLang="ko-KR" sz="1200" dirty="0"/>
           </a:p>
@@ -27685,11 +27597,7 @@
             </a:r>
             <a:r>
               <a:rPr lang="en-US" altLang="ko-KR" sz="1200" dirty="0" smtClean="0"/>
-              <a:t> </a:t>
-            </a:r>
-            <a:r>
-              <a:rPr lang="en-US" altLang="ko-KR" sz="1200" dirty="0" smtClean="0"/>
-              <a:t>(</a:t>
+              <a:t> (</a:t>
             </a:r>
             <a:r>
               <a:rPr lang="ko-KR" altLang="en-US" sz="1200" dirty="0" err="1" smtClean="0"/>
@@ -28153,11 +28061,7 @@
             </a:pPr>
             <a:r>
               <a:rPr lang="ko-KR" altLang="en-US" dirty="0" smtClean="0"/>
-              <a:t>가입신청이 취소되면 </a:t>
-            </a:r>
-            <a:r>
-              <a:rPr lang="ko-KR" altLang="en-US" dirty="0" smtClean="0"/>
-              <a:t>설치 취소된다</a:t>
+              <a:t>가입신청이 취소되면 설치 취소된다</a:t>
             </a:r>
             <a:r>
               <a:rPr lang="en-US" altLang="ko-KR" dirty="0" smtClean="0"/>
@@ -28195,7 +28099,6 @@
               <a:rPr lang="en-US" altLang="ko-KR" dirty="0" smtClean="0"/>
               <a:t>)</a:t>
             </a:r>
-            <a:endParaRPr lang="en-US" altLang="ko-KR" dirty="0" smtClean="0"/>
           </a:p>
           <a:p>
             <a:pPr marL="358775" indent="-358775">
@@ -30617,6 +30520,2914 @@
           <a:chExt cx="0" cy="0"/>
         </a:xfrm>
       </p:grpSpPr>
+      <p:grpSp>
+        <p:nvGrpSpPr>
+          <p:cNvPr id="40" name="그룹 39"/>
+          <p:cNvGrpSpPr/>
+          <p:nvPr/>
+        </p:nvGrpSpPr>
+        <p:grpSpPr>
+          <a:xfrm>
+            <a:off x="181836" y="110794"/>
+            <a:ext cx="11499356" cy="6526653"/>
+            <a:chOff x="181836" y="110794"/>
+            <a:chExt cx="11499356" cy="6526653"/>
+          </a:xfrm>
+        </p:grpSpPr>
+        <p:grpSp>
+          <p:nvGrpSpPr>
+            <p:cNvPr id="35" name="그룹 34"/>
+            <p:cNvGrpSpPr/>
+            <p:nvPr/>
+          </p:nvGrpSpPr>
+          <p:grpSpPr>
+            <a:xfrm>
+              <a:off x="8378896" y="4098558"/>
+              <a:ext cx="2846393" cy="2538889"/>
+              <a:chOff x="8234693" y="4405546"/>
+              <a:chExt cx="2846393" cy="3150912"/>
+            </a:xfrm>
+          </p:grpSpPr>
+          <p:sp>
+            <p:nvSpPr>
+              <p:cNvPr id="42" name="육각형 41"/>
+              <p:cNvSpPr>
+                <a:spLocks noChangeAspect="1"/>
+              </p:cNvSpPr>
+              <p:nvPr/>
+            </p:nvSpPr>
+            <p:spPr>
+              <a:xfrm>
+                <a:off x="8234693" y="4405546"/>
+                <a:ext cx="2328083" cy="2089305"/>
+              </a:xfrm>
+              <a:prstGeom prst="hexagon">
+                <a:avLst/>
+              </a:prstGeom>
+              <a:solidFill>
+                <a:srgbClr val="00B050"/>
+              </a:solidFill>
+              <a:ln>
+                <a:noFill/>
+              </a:ln>
+            </p:spPr>
+            <p:style>
+              <a:lnRef idx="2">
+                <a:schemeClr val="accent1">
+                  <a:shade val="50000"/>
+                </a:schemeClr>
+              </a:lnRef>
+              <a:fillRef idx="1">
+                <a:schemeClr val="accent1"/>
+              </a:fillRef>
+              <a:effectRef idx="0">
+                <a:schemeClr val="accent1"/>
+              </a:effectRef>
+              <a:fontRef idx="minor">
+                <a:schemeClr val="lt1"/>
+              </a:fontRef>
+            </p:style>
+            <p:txBody>
+              <a:bodyPr rtlCol="0" anchor="ctr"/>
+              <a:lstStyle/>
+              <a:p>
+                <a:pPr algn="ctr"/>
+                <a:endParaRPr lang="ko-KR" altLang="en-US" sz="1200" b="1" dirty="0">
+                  <a:ln>
+                    <a:solidFill>
+                      <a:schemeClr val="bg1">
+                        <a:alpha val="20000"/>
+                      </a:schemeClr>
+                    </a:solidFill>
+                  </a:ln>
+                  <a:solidFill>
+                    <a:schemeClr val="tx1"/>
+                  </a:solidFill>
+                </a:endParaRPr>
+              </a:p>
+            </p:txBody>
+          </p:sp>
+          <p:sp>
+            <p:nvSpPr>
+              <p:cNvPr id="44" name="육각형 43"/>
+              <p:cNvSpPr/>
+              <p:nvPr/>
+            </p:nvSpPr>
+            <p:spPr>
+              <a:xfrm>
+                <a:off x="8816714" y="4927872"/>
+                <a:ext cx="1164042" cy="1044653"/>
+              </a:xfrm>
+              <a:prstGeom prst="hexagon">
+                <a:avLst/>
+              </a:prstGeom>
+              <a:solidFill>
+                <a:srgbClr val="FFFF00"/>
+              </a:solidFill>
+              <a:ln>
+                <a:noFill/>
+              </a:ln>
+            </p:spPr>
+            <p:style>
+              <a:lnRef idx="2">
+                <a:schemeClr val="accent1">
+                  <a:shade val="50000"/>
+                </a:schemeClr>
+              </a:lnRef>
+              <a:fillRef idx="1">
+                <a:schemeClr val="accent1"/>
+              </a:fillRef>
+              <a:effectRef idx="0">
+                <a:schemeClr val="accent1"/>
+              </a:effectRef>
+              <a:fontRef idx="minor">
+                <a:schemeClr val="lt1"/>
+              </a:fontRef>
+            </p:style>
+            <p:txBody>
+              <a:bodyPr rtlCol="0" anchor="ctr"/>
+              <a:lstStyle/>
+              <a:p>
+                <a:pPr algn="ctr"/>
+                <a:r>
+                  <a:rPr lang="en-US" altLang="ko-KR" sz="1200" b="1" dirty="0">
+                    <a:ln>
+                      <a:solidFill>
+                        <a:schemeClr val="bg1">
+                          <a:alpha val="20000"/>
+                        </a:schemeClr>
+                      </a:solidFill>
+                    </a:ln>
+                    <a:solidFill>
+                      <a:schemeClr val="tx1"/>
+                    </a:solidFill>
+                  </a:rPr>
+                  <a:t>a</a:t>
+                </a:r>
+                <a:r>
+                  <a:rPr lang="en-US" altLang="ko-KR" sz="1200" b="1" dirty="0" smtClean="0">
+                    <a:ln>
+                      <a:solidFill>
+                        <a:schemeClr val="bg1">
+                          <a:alpha val="20000"/>
+                        </a:schemeClr>
+                      </a:solidFill>
+                    </a:ln>
+                    <a:solidFill>
+                      <a:schemeClr val="tx1"/>
+                    </a:solidFill>
+                  </a:rPr>
+                  <a:t>dd</a:t>
+                </a:r>
+              </a:p>
+              <a:p>
+                <a:pPr algn="ctr"/>
+                <a:r>
+                  <a:rPr lang="en-US" altLang="ko-KR" sz="1200" b="1" dirty="0" smtClean="0">
+                    <a:ln>
+                      <a:solidFill>
+                        <a:schemeClr val="bg1">
+                          <a:alpha val="20000"/>
+                        </a:schemeClr>
+                      </a:solidFill>
+                    </a:ln>
+                    <a:solidFill>
+                      <a:schemeClr val="tx1"/>
+                    </a:solidFill>
+                  </a:rPr>
+                  <a:t>Service</a:t>
+                </a:r>
+                <a:endParaRPr lang="ko-KR" altLang="en-US" sz="1200" b="1" dirty="0">
+                  <a:ln>
+                    <a:solidFill>
+                      <a:schemeClr val="bg1">
+                        <a:alpha val="20000"/>
+                      </a:schemeClr>
+                    </a:solidFill>
+                  </a:ln>
+                  <a:solidFill>
+                    <a:schemeClr val="tx1"/>
+                  </a:solidFill>
+                </a:endParaRPr>
+              </a:p>
+            </p:txBody>
+          </p:sp>
+          <p:sp>
+            <p:nvSpPr>
+              <p:cNvPr id="45" name="원통 44"/>
+              <p:cNvSpPr/>
+              <p:nvPr/>
+            </p:nvSpPr>
+            <p:spPr>
+              <a:xfrm>
+                <a:off x="9002654" y="7017178"/>
+                <a:ext cx="792160" cy="539280"/>
+              </a:xfrm>
+              <a:prstGeom prst="can">
+                <a:avLst/>
+              </a:prstGeom>
+            </p:spPr>
+            <p:style>
+              <a:lnRef idx="2">
+                <a:schemeClr val="accent1">
+                  <a:shade val="50000"/>
+                </a:schemeClr>
+              </a:lnRef>
+              <a:fillRef idx="1">
+                <a:schemeClr val="accent1"/>
+              </a:fillRef>
+              <a:effectRef idx="0">
+                <a:schemeClr val="accent1"/>
+              </a:effectRef>
+              <a:fontRef idx="minor">
+                <a:schemeClr val="lt1"/>
+              </a:fontRef>
+            </p:style>
+            <p:txBody>
+              <a:bodyPr rtlCol="0" anchor="ctr"/>
+              <a:lstStyle/>
+              <a:p>
+                <a:pPr algn="ctr"/>
+                <a:r>
+                  <a:rPr lang="en-US" altLang="ko-KR" sz="1200" b="1" dirty="0" smtClean="0">
+                    <a:solidFill>
+                      <a:schemeClr val="bg1"/>
+                    </a:solidFill>
+                  </a:rPr>
+                  <a:t>MongoDB</a:t>
+                </a:r>
+                <a:endParaRPr lang="ko-KR" altLang="en-US" sz="1200" b="1" dirty="0">
+                  <a:solidFill>
+                    <a:schemeClr val="bg1"/>
+                  </a:solidFill>
+                </a:endParaRPr>
+              </a:p>
+            </p:txBody>
+          </p:sp>
+          <p:sp>
+            <p:nvSpPr>
+              <p:cNvPr id="48" name="직사각형 47"/>
+              <p:cNvSpPr/>
+              <p:nvPr/>
+            </p:nvSpPr>
+            <p:spPr>
+              <a:xfrm>
+                <a:off x="8984178" y="6339974"/>
+                <a:ext cx="829112" cy="309754"/>
+              </a:xfrm>
+              <a:prstGeom prst="rect">
+                <a:avLst/>
+              </a:prstGeom>
+              <a:solidFill>
+                <a:srgbClr val="002060"/>
+              </a:solidFill>
+              <a:ln>
+                <a:noFill/>
+              </a:ln>
+            </p:spPr>
+            <p:style>
+              <a:lnRef idx="2">
+                <a:schemeClr val="accent1">
+                  <a:shade val="50000"/>
+                </a:schemeClr>
+              </a:lnRef>
+              <a:fillRef idx="1">
+                <a:schemeClr val="accent1"/>
+              </a:fillRef>
+              <a:effectRef idx="0">
+                <a:schemeClr val="accent1"/>
+              </a:effectRef>
+              <a:fontRef idx="minor">
+                <a:schemeClr val="lt1"/>
+              </a:fontRef>
+            </p:style>
+            <p:txBody>
+              <a:bodyPr rtlCol="0" anchor="ctr"/>
+              <a:lstStyle/>
+              <a:p>
+                <a:pPr algn="ctr"/>
+                <a:r>
+                  <a:rPr lang="en-US" altLang="ko-KR" sz="1200" b="1" dirty="0" smtClean="0">
+                    <a:ln>
+                      <a:solidFill>
+                        <a:schemeClr val="bg1">
+                          <a:alpha val="20000"/>
+                        </a:schemeClr>
+                      </a:solidFill>
+                    </a:ln>
+                    <a:solidFill>
+                      <a:schemeClr val="bg1"/>
+                    </a:solidFill>
+                  </a:rPr>
+                  <a:t>JPA</a:t>
+                </a:r>
+                <a:endParaRPr lang="ko-KR" altLang="en-US" sz="1200" b="1" dirty="0">
+                  <a:ln>
+                    <a:solidFill>
+                      <a:schemeClr val="bg1">
+                        <a:alpha val="20000"/>
+                      </a:schemeClr>
+                    </a:solidFill>
+                  </a:ln>
+                  <a:solidFill>
+                    <a:schemeClr val="bg1"/>
+                  </a:solidFill>
+                </a:endParaRPr>
+              </a:p>
+            </p:txBody>
+          </p:sp>
+          <p:cxnSp>
+            <p:nvCxnSpPr>
+              <p:cNvPr id="49" name="직선 화살표 연결선 48"/>
+              <p:cNvCxnSpPr>
+                <a:stCxn id="48" idx="2"/>
+              </p:cNvCxnSpPr>
+              <p:nvPr/>
+            </p:nvCxnSpPr>
+            <p:spPr>
+              <a:xfrm flipH="1">
+                <a:off x="9398734" y="6649728"/>
+                <a:ext cx="1" cy="442196"/>
+              </a:xfrm>
+              <a:prstGeom prst="straightConnector1">
+                <a:avLst/>
+              </a:prstGeom>
+              <a:ln w="15875">
+                <a:solidFill>
+                  <a:schemeClr val="tx1"/>
+                </a:solidFill>
+                <a:tailEnd type="triangle"/>
+              </a:ln>
+            </p:spPr>
+            <p:style>
+              <a:lnRef idx="1">
+                <a:schemeClr val="accent1"/>
+              </a:lnRef>
+              <a:fillRef idx="0">
+                <a:schemeClr val="accent1"/>
+              </a:fillRef>
+              <a:effectRef idx="0">
+                <a:schemeClr val="accent1"/>
+              </a:effectRef>
+              <a:fontRef idx="minor">
+                <a:schemeClr val="tx1"/>
+              </a:fontRef>
+            </p:style>
+          </p:cxnSp>
+          <p:sp>
+            <p:nvSpPr>
+              <p:cNvPr id="50" name="직사각형 49"/>
+              <p:cNvSpPr/>
+              <p:nvPr/>
+            </p:nvSpPr>
+            <p:spPr>
+              <a:xfrm>
+                <a:off x="9965086" y="5585333"/>
+                <a:ext cx="1116000" cy="309754"/>
+              </a:xfrm>
+              <a:prstGeom prst="rect">
+                <a:avLst/>
+              </a:prstGeom>
+              <a:solidFill>
+                <a:srgbClr val="FFC000"/>
+              </a:solidFill>
+              <a:ln>
+                <a:noFill/>
+              </a:ln>
+            </p:spPr>
+            <p:style>
+              <a:lnRef idx="2">
+                <a:schemeClr val="accent1">
+                  <a:shade val="50000"/>
+                </a:schemeClr>
+              </a:lnRef>
+              <a:fillRef idx="1">
+                <a:schemeClr val="accent1"/>
+              </a:fillRef>
+              <a:effectRef idx="0">
+                <a:schemeClr val="accent1"/>
+              </a:effectRef>
+              <a:fontRef idx="minor">
+                <a:schemeClr val="lt1"/>
+              </a:fontRef>
+            </p:style>
+            <p:txBody>
+              <a:bodyPr rtlCol="0" anchor="ctr"/>
+              <a:lstStyle/>
+              <a:p>
+                <a:pPr algn="ctr"/>
+                <a:r>
+                  <a:rPr lang="en-US" altLang="ko-KR" sz="1100" b="1" dirty="0" smtClean="0">
+                    <a:ln>
+                      <a:solidFill>
+                        <a:schemeClr val="bg1">
+                          <a:alpha val="20000"/>
+                        </a:schemeClr>
+                      </a:solidFill>
+                    </a:ln>
+                    <a:solidFill>
+                      <a:schemeClr val="tx1"/>
+                    </a:solidFill>
+                  </a:rPr>
+                  <a:t>Kafka Publisher</a:t>
+                </a:r>
+                <a:endParaRPr lang="ko-KR" altLang="en-US" sz="1100" b="1" dirty="0">
+                  <a:ln>
+                    <a:solidFill>
+                      <a:schemeClr val="bg1">
+                        <a:alpha val="20000"/>
+                      </a:schemeClr>
+                    </a:solidFill>
+                  </a:ln>
+                  <a:solidFill>
+                    <a:schemeClr val="tx1"/>
+                  </a:solidFill>
+                </a:endParaRPr>
+              </a:p>
+            </p:txBody>
+          </p:sp>
+        </p:grpSp>
+        <p:sp>
+          <p:nvSpPr>
+            <p:cNvPr id="3" name="직사각형 2"/>
+            <p:cNvSpPr/>
+            <p:nvPr/>
+          </p:nvSpPr>
+          <p:spPr>
+            <a:xfrm>
+              <a:off x="781050" y="110794"/>
+              <a:ext cx="10671928" cy="325896"/>
+            </a:xfrm>
+            <a:prstGeom prst="rect">
+              <a:avLst/>
+            </a:prstGeom>
+            <a:solidFill>
+              <a:schemeClr val="accent1"/>
+            </a:solidFill>
+            <a:ln>
+              <a:noFill/>
+            </a:ln>
+          </p:spPr>
+          <p:style>
+            <a:lnRef idx="2">
+              <a:schemeClr val="accent1">
+                <a:shade val="50000"/>
+              </a:schemeClr>
+            </a:lnRef>
+            <a:fillRef idx="1">
+              <a:schemeClr val="accent1"/>
+            </a:fillRef>
+            <a:effectRef idx="0">
+              <a:schemeClr val="accent1"/>
+            </a:effectRef>
+            <a:fontRef idx="minor">
+              <a:schemeClr val="lt1"/>
+            </a:fontRef>
+          </p:style>
+          <p:txBody>
+            <a:bodyPr rtlCol="0" anchor="ctr"/>
+            <a:lstStyle/>
+            <a:p>
+              <a:pPr algn="ctr"/>
+              <a:r>
+                <a:rPr lang="ko-KR" altLang="en-US" sz="1300" b="1" dirty="0" smtClean="0">
+                  <a:ln>
+                    <a:solidFill>
+                      <a:schemeClr val="bg1">
+                        <a:alpha val="20000"/>
+                      </a:schemeClr>
+                    </a:solidFill>
+                  </a:ln>
+                  <a:solidFill>
+                    <a:schemeClr val="tx1"/>
+                  </a:solidFill>
+                </a:rPr>
+                <a:t>분산 이벤트</a:t>
+              </a:r>
+              <a:r>
+                <a:rPr lang="en-US" altLang="ko-KR" sz="1300" b="1" dirty="0" smtClean="0">
+                  <a:ln>
+                    <a:solidFill>
+                      <a:schemeClr val="bg1">
+                        <a:alpha val="20000"/>
+                      </a:schemeClr>
+                    </a:solidFill>
+                  </a:ln>
+                  <a:solidFill>
+                    <a:schemeClr val="tx1"/>
+                  </a:solidFill>
+                </a:rPr>
+                <a:t> </a:t>
+              </a:r>
+              <a:r>
+                <a:rPr lang="ko-KR" altLang="en-US" sz="1300" b="1" dirty="0" smtClean="0">
+                  <a:ln>
+                    <a:solidFill>
+                      <a:schemeClr val="bg1">
+                        <a:alpha val="20000"/>
+                      </a:schemeClr>
+                    </a:solidFill>
+                  </a:ln>
+                  <a:solidFill>
+                    <a:schemeClr val="tx1"/>
+                  </a:solidFill>
+                </a:rPr>
+                <a:t>스트림</a:t>
+              </a:r>
+              <a:r>
+                <a:rPr lang="en-US" altLang="ko-KR" sz="1300" b="1" dirty="0" smtClean="0">
+                  <a:ln>
+                    <a:solidFill>
+                      <a:schemeClr val="bg1">
+                        <a:alpha val="20000"/>
+                      </a:schemeClr>
+                    </a:solidFill>
+                  </a:ln>
+                  <a:solidFill>
+                    <a:schemeClr val="tx1"/>
+                  </a:solidFill>
+                </a:rPr>
+                <a:t>(Kafka)</a:t>
+              </a:r>
+              <a:endParaRPr lang="ko-KR" altLang="en-US" sz="1300" b="1" dirty="0">
+                <a:ln>
+                  <a:solidFill>
+                    <a:schemeClr val="bg1">
+                      <a:alpha val="20000"/>
+                    </a:schemeClr>
+                  </a:solidFill>
+                </a:ln>
+                <a:solidFill>
+                  <a:schemeClr val="tx1"/>
+                </a:solidFill>
+              </a:endParaRPr>
+            </a:p>
+          </p:txBody>
+        </p:sp>
+        <p:sp>
+          <p:nvSpPr>
+            <p:cNvPr id="4" name="육각형 3"/>
+            <p:cNvSpPr>
+              <a:spLocks noChangeAspect="1"/>
+            </p:cNvSpPr>
+            <p:nvPr/>
+          </p:nvSpPr>
+          <p:spPr>
+            <a:xfrm>
+              <a:off x="781050" y="1189798"/>
+              <a:ext cx="2328083" cy="1822492"/>
+            </a:xfrm>
+            <a:prstGeom prst="hexagon">
+              <a:avLst/>
+            </a:prstGeom>
+            <a:solidFill>
+              <a:srgbClr val="00B050"/>
+            </a:solidFill>
+            <a:ln>
+              <a:noFill/>
+            </a:ln>
+          </p:spPr>
+          <p:style>
+            <a:lnRef idx="2">
+              <a:schemeClr val="accent1">
+                <a:shade val="50000"/>
+              </a:schemeClr>
+            </a:lnRef>
+            <a:fillRef idx="1">
+              <a:schemeClr val="accent1"/>
+            </a:fillRef>
+            <a:effectRef idx="0">
+              <a:schemeClr val="accent1"/>
+            </a:effectRef>
+            <a:fontRef idx="minor">
+              <a:schemeClr val="lt1"/>
+            </a:fontRef>
+          </p:style>
+          <p:txBody>
+            <a:bodyPr rtlCol="0" anchor="ctr"/>
+            <a:lstStyle/>
+            <a:p>
+              <a:pPr algn="ctr"/>
+              <a:endParaRPr lang="ko-KR" altLang="en-US" sz="1200" b="1" dirty="0">
+                <a:ln>
+                  <a:solidFill>
+                    <a:schemeClr val="bg1">
+                      <a:alpha val="20000"/>
+                    </a:schemeClr>
+                  </a:solidFill>
+                </a:ln>
+                <a:solidFill>
+                  <a:schemeClr val="tx1"/>
+                </a:solidFill>
+              </a:endParaRPr>
+            </a:p>
+          </p:txBody>
+        </p:sp>
+        <p:sp>
+          <p:nvSpPr>
+            <p:cNvPr id="5" name="육각형 4"/>
+            <p:cNvSpPr/>
+            <p:nvPr/>
+          </p:nvSpPr>
+          <p:spPr>
+            <a:xfrm>
+              <a:off x="1363071" y="1645421"/>
+              <a:ext cx="1164042" cy="911247"/>
+            </a:xfrm>
+            <a:prstGeom prst="hexagon">
+              <a:avLst/>
+            </a:prstGeom>
+            <a:solidFill>
+              <a:srgbClr val="FFFF00"/>
+            </a:solidFill>
+            <a:ln>
+              <a:noFill/>
+            </a:ln>
+          </p:spPr>
+          <p:style>
+            <a:lnRef idx="2">
+              <a:schemeClr val="accent1">
+                <a:shade val="50000"/>
+              </a:schemeClr>
+            </a:lnRef>
+            <a:fillRef idx="1">
+              <a:schemeClr val="accent1"/>
+            </a:fillRef>
+            <a:effectRef idx="0">
+              <a:schemeClr val="accent1"/>
+            </a:effectRef>
+            <a:fontRef idx="minor">
+              <a:schemeClr val="lt1"/>
+            </a:fontRef>
+          </p:style>
+          <p:txBody>
+            <a:bodyPr rtlCol="0" anchor="ctr"/>
+            <a:lstStyle/>
+            <a:p>
+              <a:pPr algn="ctr"/>
+              <a:r>
+                <a:rPr lang="en-US" altLang="ko-KR" sz="1200" b="1" dirty="0" smtClean="0">
+                  <a:ln>
+                    <a:solidFill>
+                      <a:schemeClr val="bg1">
+                        <a:alpha val="20000"/>
+                      </a:schemeClr>
+                    </a:solidFill>
+                  </a:ln>
+                  <a:solidFill>
+                    <a:schemeClr val="tx1"/>
+                  </a:solidFill>
+                </a:rPr>
+                <a:t>Order</a:t>
+              </a:r>
+              <a:endParaRPr lang="ko-KR" altLang="en-US" sz="1200" b="1" dirty="0">
+                <a:ln>
+                  <a:solidFill>
+                    <a:schemeClr val="bg1">
+                      <a:alpha val="20000"/>
+                    </a:schemeClr>
+                  </a:solidFill>
+                </a:ln>
+                <a:solidFill>
+                  <a:schemeClr val="tx1"/>
+                </a:solidFill>
+              </a:endParaRPr>
+            </a:p>
+          </p:txBody>
+        </p:sp>
+        <p:sp>
+          <p:nvSpPr>
+            <p:cNvPr id="6" name="육각형 5"/>
+            <p:cNvSpPr>
+              <a:spLocks noChangeAspect="1"/>
+            </p:cNvSpPr>
+            <p:nvPr/>
+          </p:nvSpPr>
+          <p:spPr>
+            <a:xfrm>
+              <a:off x="3656706" y="1189798"/>
+              <a:ext cx="2328083" cy="1822492"/>
+            </a:xfrm>
+            <a:prstGeom prst="hexagon">
+              <a:avLst/>
+            </a:prstGeom>
+            <a:solidFill>
+              <a:srgbClr val="00B050"/>
+            </a:solidFill>
+            <a:ln>
+              <a:noFill/>
+            </a:ln>
+          </p:spPr>
+          <p:style>
+            <a:lnRef idx="2">
+              <a:schemeClr val="accent1">
+                <a:shade val="50000"/>
+              </a:schemeClr>
+            </a:lnRef>
+            <a:fillRef idx="1">
+              <a:schemeClr val="accent1"/>
+            </a:fillRef>
+            <a:effectRef idx="0">
+              <a:schemeClr val="accent1"/>
+            </a:effectRef>
+            <a:fontRef idx="minor">
+              <a:schemeClr val="lt1"/>
+            </a:fontRef>
+          </p:style>
+          <p:txBody>
+            <a:bodyPr rtlCol="0" anchor="ctr"/>
+            <a:lstStyle/>
+            <a:p>
+              <a:pPr algn="ctr"/>
+              <a:endParaRPr lang="ko-KR" altLang="en-US" sz="1200" b="1" dirty="0">
+                <a:ln>
+                  <a:solidFill>
+                    <a:schemeClr val="bg1">
+                      <a:alpha val="20000"/>
+                    </a:schemeClr>
+                  </a:solidFill>
+                </a:ln>
+                <a:solidFill>
+                  <a:schemeClr val="tx1"/>
+                </a:solidFill>
+              </a:endParaRPr>
+            </a:p>
+          </p:txBody>
+        </p:sp>
+        <p:sp>
+          <p:nvSpPr>
+            <p:cNvPr id="7" name="육각형 6"/>
+            <p:cNvSpPr/>
+            <p:nvPr/>
+          </p:nvSpPr>
+          <p:spPr>
+            <a:xfrm>
+              <a:off x="4238727" y="1645421"/>
+              <a:ext cx="1164042" cy="911247"/>
+            </a:xfrm>
+            <a:prstGeom prst="hexagon">
+              <a:avLst/>
+            </a:prstGeom>
+            <a:solidFill>
+              <a:srgbClr val="FFFF00"/>
+            </a:solidFill>
+            <a:ln>
+              <a:noFill/>
+            </a:ln>
+          </p:spPr>
+          <p:style>
+            <a:lnRef idx="2">
+              <a:schemeClr val="accent1">
+                <a:shade val="50000"/>
+              </a:schemeClr>
+            </a:lnRef>
+            <a:fillRef idx="1">
+              <a:schemeClr val="accent1"/>
+            </a:fillRef>
+            <a:effectRef idx="0">
+              <a:schemeClr val="accent1"/>
+            </a:effectRef>
+            <a:fontRef idx="minor">
+              <a:schemeClr val="lt1"/>
+            </a:fontRef>
+          </p:style>
+          <p:txBody>
+            <a:bodyPr rtlCol="0" anchor="ctr"/>
+            <a:lstStyle/>
+            <a:p>
+              <a:pPr algn="ctr"/>
+              <a:r>
+                <a:rPr lang="en-US" altLang="ko-KR" sz="1200" b="1" dirty="0" err="1" smtClean="0">
+                  <a:ln>
+                    <a:solidFill>
+                      <a:schemeClr val="bg1">
+                        <a:alpha val="20000"/>
+                      </a:schemeClr>
+                    </a:solidFill>
+                  </a:ln>
+                  <a:solidFill>
+                    <a:schemeClr val="tx1"/>
+                  </a:solidFill>
+                </a:rPr>
+                <a:t>ManagementCenter</a:t>
+              </a:r>
+              <a:endParaRPr lang="ko-KR" altLang="en-US" sz="1200" b="1" dirty="0">
+                <a:ln>
+                  <a:solidFill>
+                    <a:schemeClr val="bg1">
+                      <a:alpha val="20000"/>
+                    </a:schemeClr>
+                  </a:solidFill>
+                </a:ln>
+                <a:solidFill>
+                  <a:schemeClr val="tx1"/>
+                </a:solidFill>
+              </a:endParaRPr>
+            </a:p>
+          </p:txBody>
+        </p:sp>
+        <p:sp>
+          <p:nvSpPr>
+            <p:cNvPr id="8" name="육각형 7"/>
+            <p:cNvSpPr>
+              <a:spLocks noChangeAspect="1"/>
+            </p:cNvSpPr>
+            <p:nvPr/>
+          </p:nvSpPr>
+          <p:spPr>
+            <a:xfrm>
+              <a:off x="6707548" y="1189798"/>
+              <a:ext cx="2328083" cy="1822492"/>
+            </a:xfrm>
+            <a:prstGeom prst="hexagon">
+              <a:avLst/>
+            </a:prstGeom>
+            <a:solidFill>
+              <a:srgbClr val="00B050"/>
+            </a:solidFill>
+            <a:ln>
+              <a:noFill/>
+            </a:ln>
+          </p:spPr>
+          <p:style>
+            <a:lnRef idx="2">
+              <a:schemeClr val="accent1">
+                <a:shade val="50000"/>
+              </a:schemeClr>
+            </a:lnRef>
+            <a:fillRef idx="1">
+              <a:schemeClr val="accent1"/>
+            </a:fillRef>
+            <a:effectRef idx="0">
+              <a:schemeClr val="accent1"/>
+            </a:effectRef>
+            <a:fontRef idx="minor">
+              <a:schemeClr val="lt1"/>
+            </a:fontRef>
+          </p:style>
+          <p:txBody>
+            <a:bodyPr rtlCol="0" anchor="ctr"/>
+            <a:lstStyle/>
+            <a:p>
+              <a:pPr algn="ctr"/>
+              <a:endParaRPr lang="ko-KR" altLang="en-US" sz="1200" b="1" dirty="0">
+                <a:ln>
+                  <a:solidFill>
+                    <a:schemeClr val="bg1">
+                      <a:alpha val="20000"/>
+                    </a:schemeClr>
+                  </a:solidFill>
+                </a:ln>
+                <a:solidFill>
+                  <a:schemeClr val="tx1"/>
+                </a:solidFill>
+              </a:endParaRPr>
+            </a:p>
+          </p:txBody>
+        </p:sp>
+        <p:sp>
+          <p:nvSpPr>
+            <p:cNvPr id="9" name="육각형 8"/>
+            <p:cNvSpPr/>
+            <p:nvPr/>
+          </p:nvSpPr>
+          <p:spPr>
+            <a:xfrm>
+              <a:off x="7289569" y="1645421"/>
+              <a:ext cx="1164042" cy="911247"/>
+            </a:xfrm>
+            <a:prstGeom prst="hexagon">
+              <a:avLst/>
+            </a:prstGeom>
+            <a:solidFill>
+              <a:srgbClr val="FFFF00"/>
+            </a:solidFill>
+            <a:ln>
+              <a:noFill/>
+            </a:ln>
+          </p:spPr>
+          <p:style>
+            <a:lnRef idx="2">
+              <a:schemeClr val="accent1">
+                <a:shade val="50000"/>
+              </a:schemeClr>
+            </a:lnRef>
+            <a:fillRef idx="1">
+              <a:schemeClr val="accent1"/>
+            </a:fillRef>
+            <a:effectRef idx="0">
+              <a:schemeClr val="accent1"/>
+            </a:effectRef>
+            <a:fontRef idx="minor">
+              <a:schemeClr val="lt1"/>
+            </a:fontRef>
+          </p:style>
+          <p:txBody>
+            <a:bodyPr rtlCol="0" anchor="ctr"/>
+            <a:lstStyle/>
+            <a:p>
+              <a:pPr algn="ctr"/>
+              <a:r>
+                <a:rPr lang="en-US" altLang="ko-KR" sz="1200" b="1" dirty="0" smtClean="0">
+                  <a:ln>
+                    <a:solidFill>
+                      <a:schemeClr val="bg1">
+                        <a:alpha val="20000"/>
+                      </a:schemeClr>
+                    </a:solidFill>
+                  </a:ln>
+                  <a:solidFill>
+                    <a:schemeClr val="tx1"/>
+                  </a:solidFill>
+                </a:rPr>
+                <a:t>Installation</a:t>
+              </a:r>
+              <a:endParaRPr lang="ko-KR" altLang="en-US" sz="1200" b="1" dirty="0">
+                <a:ln>
+                  <a:solidFill>
+                    <a:schemeClr val="bg1">
+                      <a:alpha val="20000"/>
+                    </a:schemeClr>
+                  </a:solidFill>
+                </a:ln>
+                <a:solidFill>
+                  <a:schemeClr val="tx1"/>
+                </a:solidFill>
+              </a:endParaRPr>
+            </a:p>
+          </p:txBody>
+        </p:sp>
+        <p:sp>
+          <p:nvSpPr>
+            <p:cNvPr id="10" name="원통 9"/>
+            <p:cNvSpPr/>
+            <p:nvPr/>
+          </p:nvSpPr>
+          <p:spPr>
+            <a:xfrm>
+              <a:off x="4493287" y="3467914"/>
+              <a:ext cx="792160" cy="470412"/>
+            </a:xfrm>
+            <a:prstGeom prst="can">
+              <a:avLst/>
+            </a:prstGeom>
+          </p:spPr>
+          <p:style>
+            <a:lnRef idx="2">
+              <a:schemeClr val="accent1">
+                <a:shade val="50000"/>
+              </a:schemeClr>
+            </a:lnRef>
+            <a:fillRef idx="1">
+              <a:schemeClr val="accent1"/>
+            </a:fillRef>
+            <a:effectRef idx="0">
+              <a:schemeClr val="accent1"/>
+            </a:effectRef>
+            <a:fontRef idx="minor">
+              <a:schemeClr val="lt1"/>
+            </a:fontRef>
+          </p:style>
+          <p:txBody>
+            <a:bodyPr rtlCol="0" anchor="ctr"/>
+            <a:lstStyle/>
+            <a:p>
+              <a:pPr algn="ctr"/>
+              <a:r>
+                <a:rPr lang="en-US" altLang="ko-KR" sz="1200" b="1" dirty="0" smtClean="0">
+                  <a:solidFill>
+                    <a:schemeClr val="bg1"/>
+                  </a:solidFill>
+                </a:rPr>
+                <a:t>H2</a:t>
+              </a:r>
+              <a:endParaRPr lang="ko-KR" altLang="en-US" sz="1200" b="1" dirty="0">
+                <a:solidFill>
+                  <a:schemeClr val="bg1"/>
+                </a:solidFill>
+              </a:endParaRPr>
+            </a:p>
+          </p:txBody>
+        </p:sp>
+        <p:sp>
+          <p:nvSpPr>
+            <p:cNvPr id="11" name="원통 10"/>
+            <p:cNvSpPr/>
+            <p:nvPr/>
+          </p:nvSpPr>
+          <p:spPr>
+            <a:xfrm>
+              <a:off x="1549011" y="3467914"/>
+              <a:ext cx="792160" cy="470412"/>
+            </a:xfrm>
+            <a:prstGeom prst="can">
+              <a:avLst/>
+            </a:prstGeom>
+          </p:spPr>
+          <p:style>
+            <a:lnRef idx="2">
+              <a:schemeClr val="accent1">
+                <a:shade val="50000"/>
+              </a:schemeClr>
+            </a:lnRef>
+            <a:fillRef idx="1">
+              <a:schemeClr val="accent1"/>
+            </a:fillRef>
+            <a:effectRef idx="0">
+              <a:schemeClr val="accent1"/>
+            </a:effectRef>
+            <a:fontRef idx="minor">
+              <a:schemeClr val="lt1"/>
+            </a:fontRef>
+          </p:style>
+          <p:txBody>
+            <a:bodyPr rtlCol="0" anchor="ctr"/>
+            <a:lstStyle/>
+            <a:p>
+              <a:pPr algn="ctr"/>
+              <a:r>
+                <a:rPr lang="en-US" altLang="ko-KR" sz="1200" b="1" dirty="0" smtClean="0">
+                  <a:solidFill>
+                    <a:schemeClr val="bg1"/>
+                  </a:solidFill>
+                </a:rPr>
+                <a:t>H2</a:t>
+              </a:r>
+              <a:endParaRPr lang="ko-KR" altLang="en-US" sz="1200" b="1" dirty="0">
+                <a:solidFill>
+                  <a:schemeClr val="bg1"/>
+                </a:solidFill>
+              </a:endParaRPr>
+            </a:p>
+          </p:txBody>
+        </p:sp>
+        <p:sp>
+          <p:nvSpPr>
+            <p:cNvPr id="12" name="원통 11"/>
+            <p:cNvSpPr/>
+            <p:nvPr/>
+          </p:nvSpPr>
+          <p:spPr>
+            <a:xfrm>
+              <a:off x="7522404" y="3467914"/>
+              <a:ext cx="792160" cy="470412"/>
+            </a:xfrm>
+            <a:prstGeom prst="can">
+              <a:avLst/>
+            </a:prstGeom>
+          </p:spPr>
+          <p:style>
+            <a:lnRef idx="2">
+              <a:schemeClr val="accent1">
+                <a:shade val="50000"/>
+              </a:schemeClr>
+            </a:lnRef>
+            <a:fillRef idx="1">
+              <a:schemeClr val="accent1"/>
+            </a:fillRef>
+            <a:effectRef idx="0">
+              <a:schemeClr val="accent1"/>
+            </a:effectRef>
+            <a:fontRef idx="minor">
+              <a:schemeClr val="lt1"/>
+            </a:fontRef>
+          </p:style>
+          <p:txBody>
+            <a:bodyPr rtlCol="0" anchor="ctr"/>
+            <a:lstStyle/>
+            <a:p>
+              <a:pPr algn="ctr"/>
+              <a:r>
+                <a:rPr lang="en-US" altLang="ko-KR" sz="1200" b="1" dirty="0" smtClean="0">
+                  <a:solidFill>
+                    <a:schemeClr val="bg1"/>
+                  </a:solidFill>
+                </a:rPr>
+                <a:t>H2</a:t>
+              </a:r>
+              <a:endParaRPr lang="ko-KR" altLang="en-US" sz="1200" b="1" dirty="0">
+                <a:solidFill>
+                  <a:schemeClr val="bg1"/>
+                </a:solidFill>
+              </a:endParaRPr>
+            </a:p>
+          </p:txBody>
+        </p:sp>
+        <p:sp>
+          <p:nvSpPr>
+            <p:cNvPr id="13" name="직사각형 12"/>
+            <p:cNvSpPr/>
+            <p:nvPr/>
+          </p:nvSpPr>
+          <p:spPr>
+            <a:xfrm>
+              <a:off x="1530535" y="2877192"/>
+              <a:ext cx="829112" cy="270197"/>
+            </a:xfrm>
+            <a:prstGeom prst="rect">
+              <a:avLst/>
+            </a:prstGeom>
+            <a:solidFill>
+              <a:srgbClr val="002060"/>
+            </a:solidFill>
+            <a:ln>
+              <a:noFill/>
+            </a:ln>
+          </p:spPr>
+          <p:style>
+            <a:lnRef idx="2">
+              <a:schemeClr val="accent1">
+                <a:shade val="50000"/>
+              </a:schemeClr>
+            </a:lnRef>
+            <a:fillRef idx="1">
+              <a:schemeClr val="accent1"/>
+            </a:fillRef>
+            <a:effectRef idx="0">
+              <a:schemeClr val="accent1"/>
+            </a:effectRef>
+            <a:fontRef idx="minor">
+              <a:schemeClr val="lt1"/>
+            </a:fontRef>
+          </p:style>
+          <p:txBody>
+            <a:bodyPr rtlCol="0" anchor="ctr"/>
+            <a:lstStyle/>
+            <a:p>
+              <a:pPr algn="ctr"/>
+              <a:r>
+                <a:rPr lang="en-US" altLang="ko-KR" sz="1200" b="1" dirty="0" smtClean="0">
+                  <a:ln>
+                    <a:solidFill>
+                      <a:schemeClr val="bg1">
+                        <a:alpha val="20000"/>
+                      </a:schemeClr>
+                    </a:solidFill>
+                  </a:ln>
+                  <a:solidFill>
+                    <a:schemeClr val="bg1"/>
+                  </a:solidFill>
+                </a:rPr>
+                <a:t>JPA</a:t>
+              </a:r>
+              <a:endParaRPr lang="ko-KR" altLang="en-US" sz="1200" b="1" dirty="0">
+                <a:ln>
+                  <a:solidFill>
+                    <a:schemeClr val="bg1">
+                      <a:alpha val="20000"/>
+                    </a:schemeClr>
+                  </a:solidFill>
+                </a:ln>
+                <a:solidFill>
+                  <a:schemeClr val="bg1"/>
+                </a:solidFill>
+              </a:endParaRPr>
+            </a:p>
+          </p:txBody>
+        </p:sp>
+        <p:sp>
+          <p:nvSpPr>
+            <p:cNvPr id="14" name="직사각형 13"/>
+            <p:cNvSpPr/>
+            <p:nvPr/>
+          </p:nvSpPr>
+          <p:spPr>
+            <a:xfrm>
+              <a:off x="4456336" y="2877192"/>
+              <a:ext cx="829112" cy="270197"/>
+            </a:xfrm>
+            <a:prstGeom prst="rect">
+              <a:avLst/>
+            </a:prstGeom>
+            <a:solidFill>
+              <a:srgbClr val="002060"/>
+            </a:solidFill>
+            <a:ln>
+              <a:noFill/>
+            </a:ln>
+          </p:spPr>
+          <p:style>
+            <a:lnRef idx="2">
+              <a:schemeClr val="accent1">
+                <a:shade val="50000"/>
+              </a:schemeClr>
+            </a:lnRef>
+            <a:fillRef idx="1">
+              <a:schemeClr val="accent1"/>
+            </a:fillRef>
+            <a:effectRef idx="0">
+              <a:schemeClr val="accent1"/>
+            </a:effectRef>
+            <a:fontRef idx="minor">
+              <a:schemeClr val="lt1"/>
+            </a:fontRef>
+          </p:style>
+          <p:txBody>
+            <a:bodyPr rtlCol="0" anchor="ctr"/>
+            <a:lstStyle/>
+            <a:p>
+              <a:pPr algn="ctr"/>
+              <a:r>
+                <a:rPr lang="en-US" altLang="ko-KR" sz="1200" b="1" dirty="0" smtClean="0">
+                  <a:ln>
+                    <a:solidFill>
+                      <a:schemeClr val="bg1">
+                        <a:alpha val="20000"/>
+                      </a:schemeClr>
+                    </a:solidFill>
+                  </a:ln>
+                  <a:solidFill>
+                    <a:schemeClr val="bg1"/>
+                  </a:solidFill>
+                </a:rPr>
+                <a:t>JPA</a:t>
+              </a:r>
+              <a:endParaRPr lang="ko-KR" altLang="en-US" sz="1200" b="1" dirty="0">
+                <a:ln>
+                  <a:solidFill>
+                    <a:schemeClr val="bg1">
+                      <a:alpha val="20000"/>
+                    </a:schemeClr>
+                  </a:solidFill>
+                </a:ln>
+                <a:solidFill>
+                  <a:schemeClr val="bg1"/>
+                </a:solidFill>
+              </a:endParaRPr>
+            </a:p>
+          </p:txBody>
+        </p:sp>
+        <p:sp>
+          <p:nvSpPr>
+            <p:cNvPr id="15" name="직사각형 14"/>
+            <p:cNvSpPr/>
+            <p:nvPr/>
+          </p:nvSpPr>
+          <p:spPr>
+            <a:xfrm>
+              <a:off x="7505450" y="2877192"/>
+              <a:ext cx="829112" cy="270197"/>
+            </a:xfrm>
+            <a:prstGeom prst="rect">
+              <a:avLst/>
+            </a:prstGeom>
+            <a:solidFill>
+              <a:srgbClr val="002060"/>
+            </a:solidFill>
+            <a:ln>
+              <a:noFill/>
+            </a:ln>
+          </p:spPr>
+          <p:style>
+            <a:lnRef idx="2">
+              <a:schemeClr val="accent1">
+                <a:shade val="50000"/>
+              </a:schemeClr>
+            </a:lnRef>
+            <a:fillRef idx="1">
+              <a:schemeClr val="accent1"/>
+            </a:fillRef>
+            <a:effectRef idx="0">
+              <a:schemeClr val="accent1"/>
+            </a:effectRef>
+            <a:fontRef idx="minor">
+              <a:schemeClr val="lt1"/>
+            </a:fontRef>
+          </p:style>
+          <p:txBody>
+            <a:bodyPr rtlCol="0" anchor="ctr"/>
+            <a:lstStyle/>
+            <a:p>
+              <a:pPr algn="ctr"/>
+              <a:r>
+                <a:rPr lang="en-US" altLang="ko-KR" sz="1200" b="1" dirty="0" smtClean="0">
+                  <a:ln>
+                    <a:solidFill>
+                      <a:schemeClr val="bg1">
+                        <a:alpha val="20000"/>
+                      </a:schemeClr>
+                    </a:solidFill>
+                  </a:ln>
+                  <a:solidFill>
+                    <a:schemeClr val="bg1"/>
+                  </a:solidFill>
+                </a:rPr>
+                <a:t>JPA</a:t>
+              </a:r>
+              <a:endParaRPr lang="ko-KR" altLang="en-US" sz="1200" b="1" dirty="0">
+                <a:ln>
+                  <a:solidFill>
+                    <a:schemeClr val="bg1">
+                      <a:alpha val="20000"/>
+                    </a:schemeClr>
+                  </a:solidFill>
+                </a:ln>
+                <a:solidFill>
+                  <a:schemeClr val="bg1"/>
+                </a:solidFill>
+              </a:endParaRPr>
+            </a:p>
+          </p:txBody>
+        </p:sp>
+        <p:cxnSp>
+          <p:nvCxnSpPr>
+            <p:cNvPr id="17" name="직선 화살표 연결선 16"/>
+            <p:cNvCxnSpPr>
+              <a:stCxn id="13" idx="2"/>
+            </p:cNvCxnSpPr>
+            <p:nvPr/>
+          </p:nvCxnSpPr>
+          <p:spPr>
+            <a:xfrm flipH="1">
+              <a:off x="1945091" y="3147389"/>
+              <a:ext cx="1" cy="385726"/>
+            </a:xfrm>
+            <a:prstGeom prst="straightConnector1">
+              <a:avLst/>
+            </a:prstGeom>
+            <a:ln w="15875">
+              <a:solidFill>
+                <a:schemeClr val="tx1"/>
+              </a:solidFill>
+              <a:tailEnd type="triangle"/>
+            </a:ln>
+          </p:spPr>
+          <p:style>
+            <a:lnRef idx="1">
+              <a:schemeClr val="accent1"/>
+            </a:lnRef>
+            <a:fillRef idx="0">
+              <a:schemeClr val="accent1"/>
+            </a:fillRef>
+            <a:effectRef idx="0">
+              <a:schemeClr val="accent1"/>
+            </a:effectRef>
+            <a:fontRef idx="minor">
+              <a:schemeClr val="tx1"/>
+            </a:fontRef>
+          </p:style>
+        </p:cxnSp>
+        <p:cxnSp>
+          <p:nvCxnSpPr>
+            <p:cNvPr id="18" name="직선 화살표 연결선 17"/>
+            <p:cNvCxnSpPr/>
+            <p:nvPr/>
+          </p:nvCxnSpPr>
+          <p:spPr>
+            <a:xfrm flipH="1">
+              <a:off x="4894338" y="3147389"/>
+              <a:ext cx="1" cy="385726"/>
+            </a:xfrm>
+            <a:prstGeom prst="straightConnector1">
+              <a:avLst/>
+            </a:prstGeom>
+            <a:ln w="15875">
+              <a:solidFill>
+                <a:schemeClr val="tx1"/>
+              </a:solidFill>
+              <a:tailEnd type="triangle"/>
+            </a:ln>
+          </p:spPr>
+          <p:style>
+            <a:lnRef idx="1">
+              <a:schemeClr val="accent1"/>
+            </a:lnRef>
+            <a:fillRef idx="0">
+              <a:schemeClr val="accent1"/>
+            </a:fillRef>
+            <a:effectRef idx="0">
+              <a:schemeClr val="accent1"/>
+            </a:effectRef>
+            <a:fontRef idx="minor">
+              <a:schemeClr val="tx1"/>
+            </a:fontRef>
+          </p:style>
+        </p:cxnSp>
+        <p:cxnSp>
+          <p:nvCxnSpPr>
+            <p:cNvPr id="19" name="직선 화살표 연결선 18"/>
+            <p:cNvCxnSpPr/>
+            <p:nvPr/>
+          </p:nvCxnSpPr>
+          <p:spPr>
+            <a:xfrm flipH="1">
+              <a:off x="7920006" y="3147389"/>
+              <a:ext cx="1" cy="385726"/>
+            </a:xfrm>
+            <a:prstGeom prst="straightConnector1">
+              <a:avLst/>
+            </a:prstGeom>
+            <a:ln w="15875">
+              <a:solidFill>
+                <a:schemeClr val="tx1"/>
+              </a:solidFill>
+              <a:tailEnd type="triangle"/>
+            </a:ln>
+          </p:spPr>
+          <p:style>
+            <a:lnRef idx="1">
+              <a:schemeClr val="accent1"/>
+            </a:lnRef>
+            <a:fillRef idx="0">
+              <a:schemeClr val="accent1"/>
+            </a:fillRef>
+            <a:effectRef idx="0">
+              <a:schemeClr val="accent1"/>
+            </a:effectRef>
+            <a:fontRef idx="minor">
+              <a:schemeClr val="tx1"/>
+            </a:fontRef>
+          </p:style>
+        </p:cxnSp>
+        <p:sp>
+          <p:nvSpPr>
+            <p:cNvPr id="20" name="직사각형 19"/>
+            <p:cNvSpPr/>
+            <p:nvPr/>
+          </p:nvSpPr>
+          <p:spPr>
+            <a:xfrm>
+              <a:off x="5370798" y="2421569"/>
+              <a:ext cx="1116000" cy="270197"/>
+            </a:xfrm>
+            <a:prstGeom prst="rect">
+              <a:avLst/>
+            </a:prstGeom>
+            <a:solidFill>
+              <a:schemeClr val="accent1">
+                <a:lumMod val="60000"/>
+                <a:lumOff val="40000"/>
+              </a:schemeClr>
+            </a:solidFill>
+            <a:ln>
+              <a:noFill/>
+            </a:ln>
+          </p:spPr>
+          <p:style>
+            <a:lnRef idx="2">
+              <a:schemeClr val="accent1">
+                <a:shade val="50000"/>
+              </a:schemeClr>
+            </a:lnRef>
+            <a:fillRef idx="1">
+              <a:schemeClr val="accent1"/>
+            </a:fillRef>
+            <a:effectRef idx="0">
+              <a:schemeClr val="accent1"/>
+            </a:effectRef>
+            <a:fontRef idx="minor">
+              <a:schemeClr val="lt1"/>
+            </a:fontRef>
+          </p:style>
+          <p:txBody>
+            <a:bodyPr rtlCol="0" anchor="ctr"/>
+            <a:lstStyle/>
+            <a:p>
+              <a:pPr algn="ctr"/>
+              <a:r>
+                <a:rPr lang="en-US" altLang="ko-KR" sz="1100" b="1" dirty="0" smtClean="0">
+                  <a:ln>
+                    <a:solidFill>
+                      <a:schemeClr val="bg1">
+                        <a:alpha val="20000"/>
+                      </a:schemeClr>
+                    </a:solidFill>
+                  </a:ln>
+                  <a:solidFill>
+                    <a:schemeClr val="tx1"/>
+                  </a:solidFill>
+                </a:rPr>
+                <a:t>REST</a:t>
+              </a:r>
+              <a:r>
+                <a:rPr lang="ko-KR" altLang="en-US" sz="1100" b="1" dirty="0">
+                  <a:ln>
+                    <a:solidFill>
+                      <a:schemeClr val="bg1">
+                        <a:alpha val="20000"/>
+                      </a:schemeClr>
+                    </a:solidFill>
+                  </a:ln>
+                  <a:solidFill>
+                    <a:schemeClr val="tx1"/>
+                  </a:solidFill>
+                </a:rPr>
+                <a:t> </a:t>
+              </a:r>
+              <a:r>
+                <a:rPr lang="en-US" altLang="ko-KR" sz="1100" b="1" dirty="0" smtClean="0">
+                  <a:ln>
+                    <a:solidFill>
+                      <a:schemeClr val="bg1">
+                        <a:alpha val="20000"/>
+                      </a:schemeClr>
+                    </a:solidFill>
+                  </a:ln>
+                  <a:solidFill>
+                    <a:schemeClr val="tx1"/>
+                  </a:solidFill>
+                </a:rPr>
+                <a:t>Invoker</a:t>
+              </a:r>
+              <a:endParaRPr lang="ko-KR" altLang="en-US" sz="1100" b="1" dirty="0">
+                <a:ln>
+                  <a:solidFill>
+                    <a:schemeClr val="bg1">
+                      <a:alpha val="20000"/>
+                    </a:schemeClr>
+                  </a:solidFill>
+                </a:ln>
+                <a:solidFill>
+                  <a:schemeClr val="tx1"/>
+                </a:solidFill>
+              </a:endParaRPr>
+            </a:p>
+          </p:txBody>
+        </p:sp>
+        <p:sp>
+          <p:nvSpPr>
+            <p:cNvPr id="21" name="직사각형 20"/>
+            <p:cNvSpPr/>
+            <p:nvPr/>
+          </p:nvSpPr>
+          <p:spPr>
+            <a:xfrm>
+              <a:off x="6340079" y="1460075"/>
+              <a:ext cx="1116000" cy="270197"/>
+            </a:xfrm>
+            <a:prstGeom prst="rect">
+              <a:avLst/>
+            </a:prstGeom>
+            <a:solidFill>
+              <a:schemeClr val="accent1">
+                <a:lumMod val="60000"/>
+                <a:lumOff val="40000"/>
+              </a:schemeClr>
+            </a:solidFill>
+            <a:ln>
+              <a:noFill/>
+            </a:ln>
+          </p:spPr>
+          <p:style>
+            <a:lnRef idx="2">
+              <a:schemeClr val="accent1">
+                <a:shade val="50000"/>
+              </a:schemeClr>
+            </a:lnRef>
+            <a:fillRef idx="1">
+              <a:schemeClr val="accent1"/>
+            </a:fillRef>
+            <a:effectRef idx="0">
+              <a:schemeClr val="accent1"/>
+            </a:effectRef>
+            <a:fontRef idx="minor">
+              <a:schemeClr val="lt1"/>
+            </a:fontRef>
+          </p:style>
+          <p:txBody>
+            <a:bodyPr rtlCol="0" anchor="ctr"/>
+            <a:lstStyle/>
+            <a:p>
+              <a:pPr algn="ctr"/>
+              <a:r>
+                <a:rPr lang="en-US" altLang="ko-KR" sz="1100" b="1" dirty="0" smtClean="0">
+                  <a:ln>
+                    <a:solidFill>
+                      <a:schemeClr val="bg1">
+                        <a:alpha val="20000"/>
+                      </a:schemeClr>
+                    </a:solidFill>
+                  </a:ln>
+                  <a:solidFill>
+                    <a:schemeClr val="tx1"/>
+                  </a:solidFill>
+                </a:rPr>
+                <a:t>REST Adapter</a:t>
+              </a:r>
+              <a:endParaRPr lang="ko-KR" altLang="en-US" sz="1100" b="1" dirty="0">
+                <a:ln>
+                  <a:solidFill>
+                    <a:schemeClr val="bg1">
+                      <a:alpha val="20000"/>
+                    </a:schemeClr>
+                  </a:solidFill>
+                </a:ln>
+                <a:solidFill>
+                  <a:schemeClr val="tx1"/>
+                </a:solidFill>
+              </a:endParaRPr>
+            </a:p>
+          </p:txBody>
+        </p:sp>
+        <p:sp>
+          <p:nvSpPr>
+            <p:cNvPr id="22" name="직사각형 21"/>
+            <p:cNvSpPr/>
+            <p:nvPr/>
+          </p:nvSpPr>
+          <p:spPr>
+            <a:xfrm>
+              <a:off x="2511443" y="2218922"/>
+              <a:ext cx="1116000" cy="270197"/>
+            </a:xfrm>
+            <a:prstGeom prst="rect">
+              <a:avLst/>
+            </a:prstGeom>
+            <a:solidFill>
+              <a:srgbClr val="FFC000"/>
+            </a:solidFill>
+            <a:ln>
+              <a:noFill/>
+            </a:ln>
+          </p:spPr>
+          <p:style>
+            <a:lnRef idx="2">
+              <a:schemeClr val="accent1">
+                <a:shade val="50000"/>
+              </a:schemeClr>
+            </a:lnRef>
+            <a:fillRef idx="1">
+              <a:schemeClr val="accent1"/>
+            </a:fillRef>
+            <a:effectRef idx="0">
+              <a:schemeClr val="accent1"/>
+            </a:effectRef>
+            <a:fontRef idx="minor">
+              <a:schemeClr val="lt1"/>
+            </a:fontRef>
+          </p:style>
+          <p:txBody>
+            <a:bodyPr rtlCol="0" anchor="ctr"/>
+            <a:lstStyle/>
+            <a:p>
+              <a:pPr algn="ctr"/>
+              <a:r>
+                <a:rPr lang="en-US" altLang="ko-KR" sz="1100" b="1" dirty="0" smtClean="0">
+                  <a:ln>
+                    <a:solidFill>
+                      <a:schemeClr val="bg1">
+                        <a:alpha val="20000"/>
+                      </a:schemeClr>
+                    </a:solidFill>
+                  </a:ln>
+                  <a:solidFill>
+                    <a:schemeClr val="tx1"/>
+                  </a:solidFill>
+                </a:rPr>
+                <a:t>Kafka Publisher</a:t>
+              </a:r>
+              <a:endParaRPr lang="ko-KR" altLang="en-US" sz="1100" b="1" dirty="0">
+                <a:ln>
+                  <a:solidFill>
+                    <a:schemeClr val="bg1">
+                      <a:alpha val="20000"/>
+                    </a:schemeClr>
+                  </a:solidFill>
+                </a:ln>
+                <a:solidFill>
+                  <a:schemeClr val="tx1"/>
+                </a:solidFill>
+              </a:endParaRPr>
+            </a:p>
+          </p:txBody>
+        </p:sp>
+        <p:sp>
+          <p:nvSpPr>
+            <p:cNvPr id="23" name="직사각형 22"/>
+            <p:cNvSpPr/>
+            <p:nvPr/>
+          </p:nvSpPr>
+          <p:spPr>
+            <a:xfrm>
+              <a:off x="3471406" y="1330715"/>
+              <a:ext cx="1116000" cy="270197"/>
+            </a:xfrm>
+            <a:prstGeom prst="rect">
+              <a:avLst/>
+            </a:prstGeom>
+            <a:solidFill>
+              <a:srgbClr val="9966FF"/>
+            </a:solidFill>
+            <a:ln>
+              <a:noFill/>
+            </a:ln>
+          </p:spPr>
+          <p:style>
+            <a:lnRef idx="2">
+              <a:schemeClr val="accent1">
+                <a:shade val="50000"/>
+              </a:schemeClr>
+            </a:lnRef>
+            <a:fillRef idx="1">
+              <a:schemeClr val="accent1"/>
+            </a:fillRef>
+            <a:effectRef idx="0">
+              <a:schemeClr val="accent1"/>
+            </a:effectRef>
+            <a:fontRef idx="minor">
+              <a:schemeClr val="lt1"/>
+            </a:fontRef>
+          </p:style>
+          <p:txBody>
+            <a:bodyPr rtlCol="0" anchor="ctr"/>
+            <a:lstStyle/>
+            <a:p>
+              <a:pPr algn="ctr"/>
+              <a:r>
+                <a:rPr lang="en-US" altLang="ko-KR" sz="1100" b="1" dirty="0" smtClean="0">
+                  <a:ln>
+                    <a:solidFill>
+                      <a:schemeClr val="bg1">
+                        <a:alpha val="20000"/>
+                      </a:schemeClr>
+                    </a:solidFill>
+                  </a:ln>
+                  <a:solidFill>
+                    <a:schemeClr val="tx1"/>
+                  </a:solidFill>
+                </a:rPr>
+                <a:t>Kafka Listener</a:t>
+              </a:r>
+              <a:endParaRPr lang="ko-KR" altLang="en-US" sz="1100" b="1" dirty="0">
+                <a:ln>
+                  <a:solidFill>
+                    <a:schemeClr val="bg1">
+                      <a:alpha val="20000"/>
+                    </a:schemeClr>
+                  </a:solidFill>
+                </a:ln>
+                <a:solidFill>
+                  <a:schemeClr val="tx1"/>
+                </a:solidFill>
+              </a:endParaRPr>
+            </a:p>
+          </p:txBody>
+        </p:sp>
+        <p:sp>
+          <p:nvSpPr>
+            <p:cNvPr id="24" name="직사각형 23"/>
+            <p:cNvSpPr/>
+            <p:nvPr/>
+          </p:nvSpPr>
+          <p:spPr>
+            <a:xfrm>
+              <a:off x="181836" y="1843547"/>
+              <a:ext cx="1025768" cy="257497"/>
+            </a:xfrm>
+            <a:prstGeom prst="rect">
+              <a:avLst/>
+            </a:prstGeom>
+            <a:solidFill>
+              <a:schemeClr val="accent1">
+                <a:lumMod val="60000"/>
+                <a:lumOff val="40000"/>
+              </a:schemeClr>
+            </a:solidFill>
+            <a:ln>
+              <a:noFill/>
+            </a:ln>
+          </p:spPr>
+          <p:style>
+            <a:lnRef idx="2">
+              <a:schemeClr val="accent1">
+                <a:shade val="50000"/>
+              </a:schemeClr>
+            </a:lnRef>
+            <a:fillRef idx="1">
+              <a:schemeClr val="accent1"/>
+            </a:fillRef>
+            <a:effectRef idx="0">
+              <a:schemeClr val="accent1"/>
+            </a:effectRef>
+            <a:fontRef idx="minor">
+              <a:schemeClr val="lt1"/>
+            </a:fontRef>
+          </p:style>
+          <p:txBody>
+            <a:bodyPr rtlCol="0" anchor="ctr"/>
+            <a:lstStyle/>
+            <a:p>
+              <a:pPr algn="ctr"/>
+              <a:r>
+                <a:rPr lang="en-US" altLang="ko-KR" sz="1100" b="1" dirty="0">
+                  <a:ln>
+                    <a:solidFill>
+                      <a:schemeClr val="bg1">
+                        <a:alpha val="20000"/>
+                      </a:schemeClr>
+                    </a:solidFill>
+                  </a:ln>
+                  <a:solidFill>
+                    <a:schemeClr val="tx1"/>
+                  </a:solidFill>
+                </a:rPr>
+                <a:t>REST Adaptor</a:t>
+              </a:r>
+              <a:r>
+                <a:rPr lang="ko-KR" altLang="en-US" sz="1100" b="1" dirty="0">
+                  <a:ln>
+                    <a:solidFill>
+                      <a:schemeClr val="bg1">
+                        <a:alpha val="20000"/>
+                      </a:schemeClr>
+                    </a:solidFill>
+                  </a:ln>
+                  <a:solidFill>
+                    <a:schemeClr val="tx1"/>
+                  </a:solidFill>
+                </a:rPr>
+                <a:t> </a:t>
+              </a:r>
+            </a:p>
+          </p:txBody>
+        </p:sp>
+        <p:sp>
+          <p:nvSpPr>
+            <p:cNvPr id="25" name="육각형 24"/>
+            <p:cNvSpPr>
+              <a:spLocks noChangeAspect="1"/>
+            </p:cNvSpPr>
+            <p:nvPr/>
+          </p:nvSpPr>
+          <p:spPr>
+            <a:xfrm>
+              <a:off x="9353109" y="1189798"/>
+              <a:ext cx="2328083" cy="1822492"/>
+            </a:xfrm>
+            <a:prstGeom prst="hexagon">
+              <a:avLst/>
+            </a:prstGeom>
+            <a:solidFill>
+              <a:srgbClr val="00B050"/>
+            </a:solidFill>
+            <a:ln>
+              <a:noFill/>
+            </a:ln>
+          </p:spPr>
+          <p:style>
+            <a:lnRef idx="2">
+              <a:schemeClr val="accent1">
+                <a:shade val="50000"/>
+              </a:schemeClr>
+            </a:lnRef>
+            <a:fillRef idx="1">
+              <a:schemeClr val="accent1"/>
+            </a:fillRef>
+            <a:effectRef idx="0">
+              <a:schemeClr val="accent1"/>
+            </a:effectRef>
+            <a:fontRef idx="minor">
+              <a:schemeClr val="lt1"/>
+            </a:fontRef>
+          </p:style>
+          <p:txBody>
+            <a:bodyPr rtlCol="0" anchor="ctr"/>
+            <a:lstStyle/>
+            <a:p>
+              <a:pPr algn="ctr"/>
+              <a:endParaRPr lang="ko-KR" altLang="en-US" sz="1200" b="1" dirty="0">
+                <a:ln>
+                  <a:solidFill>
+                    <a:schemeClr val="bg1">
+                      <a:alpha val="20000"/>
+                    </a:schemeClr>
+                  </a:solidFill>
+                </a:ln>
+                <a:solidFill>
+                  <a:schemeClr val="tx1"/>
+                </a:solidFill>
+              </a:endParaRPr>
+            </a:p>
+          </p:txBody>
+        </p:sp>
+        <p:sp>
+          <p:nvSpPr>
+            <p:cNvPr id="26" name="육각형 25"/>
+            <p:cNvSpPr/>
+            <p:nvPr/>
+          </p:nvSpPr>
+          <p:spPr>
+            <a:xfrm>
+              <a:off x="9935130" y="1645421"/>
+              <a:ext cx="1164042" cy="911247"/>
+            </a:xfrm>
+            <a:prstGeom prst="hexagon">
+              <a:avLst/>
+            </a:prstGeom>
+            <a:solidFill>
+              <a:srgbClr val="FFFF00"/>
+            </a:solidFill>
+            <a:ln>
+              <a:noFill/>
+            </a:ln>
+          </p:spPr>
+          <p:style>
+            <a:lnRef idx="2">
+              <a:schemeClr val="accent1">
+                <a:shade val="50000"/>
+              </a:schemeClr>
+            </a:lnRef>
+            <a:fillRef idx="1">
+              <a:schemeClr val="accent1"/>
+            </a:fillRef>
+            <a:effectRef idx="0">
+              <a:schemeClr val="accent1"/>
+            </a:effectRef>
+            <a:fontRef idx="minor">
+              <a:schemeClr val="lt1"/>
+            </a:fontRef>
+          </p:style>
+          <p:txBody>
+            <a:bodyPr rtlCol="0" anchor="ctr"/>
+            <a:lstStyle/>
+            <a:p>
+              <a:pPr algn="ctr"/>
+              <a:r>
+                <a:rPr lang="en-US" altLang="ko-KR" sz="1200" b="1" dirty="0" err="1" smtClean="0">
+                  <a:ln>
+                    <a:solidFill>
+                      <a:schemeClr val="bg1">
+                        <a:alpha val="20000"/>
+                      </a:schemeClr>
+                    </a:solidFill>
+                  </a:ln>
+                  <a:solidFill>
+                    <a:schemeClr val="tx1"/>
+                  </a:solidFill>
+                </a:rPr>
+                <a:t>Orderstatus</a:t>
+              </a:r>
+              <a:endParaRPr lang="en-US" altLang="ko-KR" sz="1200" b="1" dirty="0" smtClean="0">
+                <a:ln>
+                  <a:solidFill>
+                    <a:schemeClr val="bg1">
+                      <a:alpha val="20000"/>
+                    </a:schemeClr>
+                  </a:solidFill>
+                </a:ln>
+                <a:solidFill>
+                  <a:schemeClr val="tx1"/>
+                </a:solidFill>
+              </a:endParaRPr>
+            </a:p>
+            <a:p>
+              <a:pPr algn="ctr"/>
+              <a:r>
+                <a:rPr lang="en-US" altLang="ko-KR" sz="1200" b="1" dirty="0" smtClean="0">
+                  <a:ln>
+                    <a:solidFill>
+                      <a:schemeClr val="bg1">
+                        <a:alpha val="20000"/>
+                      </a:schemeClr>
+                    </a:solidFill>
+                  </a:ln>
+                  <a:solidFill>
+                    <a:schemeClr val="tx1"/>
+                  </a:solidFill>
+                </a:rPr>
+                <a:t>(View)</a:t>
+              </a:r>
+              <a:endParaRPr lang="ko-KR" altLang="en-US" sz="1200" b="1" dirty="0">
+                <a:ln>
+                  <a:solidFill>
+                    <a:schemeClr val="bg1">
+                      <a:alpha val="20000"/>
+                    </a:schemeClr>
+                  </a:solidFill>
+                </a:ln>
+                <a:solidFill>
+                  <a:schemeClr val="tx1"/>
+                </a:solidFill>
+              </a:endParaRPr>
+            </a:p>
+          </p:txBody>
+        </p:sp>
+        <p:sp>
+          <p:nvSpPr>
+            <p:cNvPr id="27" name="원통 26"/>
+            <p:cNvSpPr/>
+            <p:nvPr/>
+          </p:nvSpPr>
+          <p:spPr>
+            <a:xfrm>
+              <a:off x="10167965" y="3467914"/>
+              <a:ext cx="792160" cy="470412"/>
+            </a:xfrm>
+            <a:prstGeom prst="can">
+              <a:avLst/>
+            </a:prstGeom>
+          </p:spPr>
+          <p:style>
+            <a:lnRef idx="2">
+              <a:schemeClr val="accent1">
+                <a:shade val="50000"/>
+              </a:schemeClr>
+            </a:lnRef>
+            <a:fillRef idx="1">
+              <a:schemeClr val="accent1"/>
+            </a:fillRef>
+            <a:effectRef idx="0">
+              <a:schemeClr val="accent1"/>
+            </a:effectRef>
+            <a:fontRef idx="minor">
+              <a:schemeClr val="lt1"/>
+            </a:fontRef>
+          </p:style>
+          <p:txBody>
+            <a:bodyPr rtlCol="0" anchor="ctr"/>
+            <a:lstStyle/>
+            <a:p>
+              <a:pPr algn="ctr"/>
+              <a:r>
+                <a:rPr lang="en-US" altLang="ko-KR" sz="1200" b="1" dirty="0" smtClean="0">
+                  <a:solidFill>
+                    <a:schemeClr val="bg1"/>
+                  </a:solidFill>
+                </a:rPr>
+                <a:t>MySQL</a:t>
+              </a:r>
+              <a:endParaRPr lang="ko-KR" altLang="en-US" sz="1200" b="1" dirty="0">
+                <a:solidFill>
+                  <a:schemeClr val="bg1"/>
+                </a:solidFill>
+              </a:endParaRPr>
+            </a:p>
+          </p:txBody>
+        </p:sp>
+        <p:sp>
+          <p:nvSpPr>
+            <p:cNvPr id="28" name="직사각형 27"/>
+            <p:cNvSpPr/>
+            <p:nvPr/>
+          </p:nvSpPr>
+          <p:spPr>
+            <a:xfrm>
+              <a:off x="10151011" y="2877192"/>
+              <a:ext cx="829112" cy="270197"/>
+            </a:xfrm>
+            <a:prstGeom prst="rect">
+              <a:avLst/>
+            </a:prstGeom>
+            <a:solidFill>
+              <a:srgbClr val="002060"/>
+            </a:solidFill>
+            <a:ln>
+              <a:noFill/>
+            </a:ln>
+          </p:spPr>
+          <p:style>
+            <a:lnRef idx="2">
+              <a:schemeClr val="accent1">
+                <a:shade val="50000"/>
+              </a:schemeClr>
+            </a:lnRef>
+            <a:fillRef idx="1">
+              <a:schemeClr val="accent1"/>
+            </a:fillRef>
+            <a:effectRef idx="0">
+              <a:schemeClr val="accent1"/>
+            </a:effectRef>
+            <a:fontRef idx="minor">
+              <a:schemeClr val="lt1"/>
+            </a:fontRef>
+          </p:style>
+          <p:txBody>
+            <a:bodyPr rtlCol="0" anchor="ctr"/>
+            <a:lstStyle/>
+            <a:p>
+              <a:pPr algn="ctr"/>
+              <a:r>
+                <a:rPr lang="en-US" altLang="ko-KR" sz="1200" b="1" dirty="0" smtClean="0">
+                  <a:ln>
+                    <a:solidFill>
+                      <a:schemeClr val="bg1">
+                        <a:alpha val="20000"/>
+                      </a:schemeClr>
+                    </a:solidFill>
+                  </a:ln>
+                  <a:solidFill>
+                    <a:schemeClr val="bg1"/>
+                  </a:solidFill>
+                </a:rPr>
+                <a:t>JPA</a:t>
+              </a:r>
+              <a:endParaRPr lang="ko-KR" altLang="en-US" sz="1200" b="1" dirty="0">
+                <a:ln>
+                  <a:solidFill>
+                    <a:schemeClr val="bg1">
+                      <a:alpha val="20000"/>
+                    </a:schemeClr>
+                  </a:solidFill>
+                </a:ln>
+                <a:solidFill>
+                  <a:schemeClr val="bg1"/>
+                </a:solidFill>
+              </a:endParaRPr>
+            </a:p>
+          </p:txBody>
+        </p:sp>
+        <p:cxnSp>
+          <p:nvCxnSpPr>
+            <p:cNvPr id="29" name="직선 화살표 연결선 28"/>
+            <p:cNvCxnSpPr/>
+            <p:nvPr/>
+          </p:nvCxnSpPr>
+          <p:spPr>
+            <a:xfrm flipH="1">
+              <a:off x="10565567" y="3147389"/>
+              <a:ext cx="1" cy="385726"/>
+            </a:xfrm>
+            <a:prstGeom prst="straightConnector1">
+              <a:avLst/>
+            </a:prstGeom>
+            <a:ln w="15875">
+              <a:solidFill>
+                <a:schemeClr val="tx1"/>
+              </a:solidFill>
+              <a:tailEnd type="triangle"/>
+            </a:ln>
+          </p:spPr>
+          <p:style>
+            <a:lnRef idx="1">
+              <a:schemeClr val="accent1"/>
+            </a:lnRef>
+            <a:fillRef idx="0">
+              <a:schemeClr val="accent1"/>
+            </a:fillRef>
+            <a:effectRef idx="0">
+              <a:schemeClr val="accent1"/>
+            </a:effectRef>
+            <a:fontRef idx="minor">
+              <a:schemeClr val="tx1"/>
+            </a:fontRef>
+          </p:style>
+        </p:cxnSp>
+        <p:sp>
+          <p:nvSpPr>
+            <p:cNvPr id="31" name="직사각형 30"/>
+            <p:cNvSpPr/>
+            <p:nvPr/>
+          </p:nvSpPr>
+          <p:spPr>
+            <a:xfrm>
+              <a:off x="8949500" y="1624317"/>
+              <a:ext cx="1116000" cy="270197"/>
+            </a:xfrm>
+            <a:prstGeom prst="rect">
+              <a:avLst/>
+            </a:prstGeom>
+            <a:solidFill>
+              <a:srgbClr val="9966FF"/>
+            </a:solidFill>
+            <a:ln>
+              <a:noFill/>
+            </a:ln>
+          </p:spPr>
+          <p:style>
+            <a:lnRef idx="2">
+              <a:schemeClr val="accent1">
+                <a:shade val="50000"/>
+              </a:schemeClr>
+            </a:lnRef>
+            <a:fillRef idx="1">
+              <a:schemeClr val="accent1"/>
+            </a:fillRef>
+            <a:effectRef idx="0">
+              <a:schemeClr val="accent1"/>
+            </a:effectRef>
+            <a:fontRef idx="minor">
+              <a:schemeClr val="lt1"/>
+            </a:fontRef>
+          </p:style>
+          <p:txBody>
+            <a:bodyPr rtlCol="0" anchor="ctr"/>
+            <a:lstStyle/>
+            <a:p>
+              <a:pPr algn="ctr"/>
+              <a:r>
+                <a:rPr lang="en-US" altLang="ko-KR" sz="1100" b="1" dirty="0" smtClean="0">
+                  <a:ln>
+                    <a:solidFill>
+                      <a:schemeClr val="bg1">
+                        <a:alpha val="20000"/>
+                      </a:schemeClr>
+                    </a:solidFill>
+                  </a:ln>
+                  <a:solidFill>
+                    <a:schemeClr val="tx1"/>
+                  </a:solidFill>
+                </a:rPr>
+                <a:t>Kafka Listener</a:t>
+              </a:r>
+              <a:endParaRPr lang="ko-KR" altLang="en-US" sz="1100" b="1" dirty="0">
+                <a:ln>
+                  <a:solidFill>
+                    <a:schemeClr val="bg1">
+                      <a:alpha val="20000"/>
+                    </a:schemeClr>
+                  </a:solidFill>
+                </a:ln>
+                <a:solidFill>
+                  <a:schemeClr val="tx1"/>
+                </a:solidFill>
+              </a:endParaRPr>
+            </a:p>
+          </p:txBody>
+        </p:sp>
+        <p:sp>
+          <p:nvSpPr>
+            <p:cNvPr id="32" name="직사각형 31"/>
+            <p:cNvSpPr/>
+            <p:nvPr/>
+          </p:nvSpPr>
+          <p:spPr>
+            <a:xfrm>
+              <a:off x="649604" y="1313181"/>
+              <a:ext cx="1116000" cy="270197"/>
+            </a:xfrm>
+            <a:prstGeom prst="rect">
+              <a:avLst/>
+            </a:prstGeom>
+            <a:solidFill>
+              <a:srgbClr val="9966FF"/>
+            </a:solidFill>
+            <a:ln>
+              <a:noFill/>
+            </a:ln>
+          </p:spPr>
+          <p:style>
+            <a:lnRef idx="2">
+              <a:schemeClr val="accent1">
+                <a:shade val="50000"/>
+              </a:schemeClr>
+            </a:lnRef>
+            <a:fillRef idx="1">
+              <a:schemeClr val="accent1"/>
+            </a:fillRef>
+            <a:effectRef idx="0">
+              <a:schemeClr val="accent1"/>
+            </a:effectRef>
+            <a:fontRef idx="minor">
+              <a:schemeClr val="lt1"/>
+            </a:fontRef>
+          </p:style>
+          <p:txBody>
+            <a:bodyPr rtlCol="0" anchor="ctr"/>
+            <a:lstStyle/>
+            <a:p>
+              <a:pPr algn="ctr"/>
+              <a:r>
+                <a:rPr lang="en-US" altLang="ko-KR" sz="1100" b="1" dirty="0" smtClean="0">
+                  <a:ln>
+                    <a:solidFill>
+                      <a:schemeClr val="bg1">
+                        <a:alpha val="20000"/>
+                      </a:schemeClr>
+                    </a:solidFill>
+                  </a:ln>
+                  <a:solidFill>
+                    <a:schemeClr val="tx1"/>
+                  </a:solidFill>
+                </a:rPr>
+                <a:t>Kafka Listener</a:t>
+              </a:r>
+              <a:endParaRPr lang="ko-KR" altLang="en-US" sz="1100" b="1" dirty="0">
+                <a:ln>
+                  <a:solidFill>
+                    <a:schemeClr val="bg1">
+                      <a:alpha val="20000"/>
+                    </a:schemeClr>
+                  </a:solidFill>
+                </a:ln>
+                <a:solidFill>
+                  <a:schemeClr val="tx1"/>
+                </a:solidFill>
+              </a:endParaRPr>
+            </a:p>
+          </p:txBody>
+        </p:sp>
+        <p:cxnSp>
+          <p:nvCxnSpPr>
+            <p:cNvPr id="33" name="직선 화살표 연결선 3"/>
+            <p:cNvCxnSpPr>
+              <a:endCxn id="32" idx="0"/>
+            </p:cNvCxnSpPr>
+            <p:nvPr/>
+          </p:nvCxnSpPr>
+          <p:spPr>
+            <a:xfrm flipH="1">
+              <a:off x="1207604" y="442228"/>
+              <a:ext cx="6351" cy="870953"/>
+            </a:xfrm>
+            <a:prstGeom prst="straightConnector1">
+              <a:avLst/>
+            </a:prstGeom>
+            <a:ln w="19050">
+              <a:prstDash val="sysDash"/>
+              <a:tailEnd type="triangle"/>
+            </a:ln>
+          </p:spPr>
+          <p:style>
+            <a:lnRef idx="1">
+              <a:schemeClr val="accent1"/>
+            </a:lnRef>
+            <a:fillRef idx="0">
+              <a:schemeClr val="accent1"/>
+            </a:fillRef>
+            <a:effectRef idx="0">
+              <a:schemeClr val="accent1"/>
+            </a:effectRef>
+            <a:fontRef idx="minor">
+              <a:schemeClr val="tx1"/>
+            </a:fontRef>
+          </p:style>
+        </p:cxnSp>
+        <p:cxnSp>
+          <p:nvCxnSpPr>
+            <p:cNvPr id="36" name="직선 화살표 연결선 3"/>
+            <p:cNvCxnSpPr/>
+            <p:nvPr/>
+          </p:nvCxnSpPr>
+          <p:spPr>
+            <a:xfrm>
+              <a:off x="4029406" y="442228"/>
+              <a:ext cx="1" cy="901165"/>
+            </a:xfrm>
+            <a:prstGeom prst="straightConnector1">
+              <a:avLst/>
+            </a:prstGeom>
+            <a:ln w="19050">
+              <a:prstDash val="sysDash"/>
+              <a:tailEnd type="triangle"/>
+            </a:ln>
+          </p:spPr>
+          <p:style>
+            <a:lnRef idx="1">
+              <a:schemeClr val="accent1"/>
+            </a:lnRef>
+            <a:fillRef idx="0">
+              <a:schemeClr val="accent1"/>
+            </a:fillRef>
+            <a:effectRef idx="0">
+              <a:schemeClr val="accent1"/>
+            </a:effectRef>
+            <a:fontRef idx="minor">
+              <a:schemeClr val="tx1"/>
+            </a:fontRef>
+          </p:style>
+        </p:cxnSp>
+        <p:cxnSp>
+          <p:nvCxnSpPr>
+            <p:cNvPr id="39" name="직선 화살표 연결선 3"/>
+            <p:cNvCxnSpPr/>
+            <p:nvPr/>
+          </p:nvCxnSpPr>
+          <p:spPr>
+            <a:xfrm flipV="1">
+              <a:off x="3179520" y="432357"/>
+              <a:ext cx="19845" cy="1786564"/>
+            </a:xfrm>
+            <a:prstGeom prst="straightConnector1">
+              <a:avLst/>
+            </a:prstGeom>
+            <a:ln w="19050">
+              <a:prstDash val="sysDash"/>
+              <a:tailEnd type="triangle"/>
+            </a:ln>
+          </p:spPr>
+          <p:style>
+            <a:lnRef idx="1">
+              <a:schemeClr val="accent1"/>
+            </a:lnRef>
+            <a:fillRef idx="0">
+              <a:schemeClr val="accent1"/>
+            </a:fillRef>
+            <a:effectRef idx="0">
+              <a:schemeClr val="accent1"/>
+            </a:effectRef>
+            <a:fontRef idx="minor">
+              <a:schemeClr val="tx1"/>
+            </a:fontRef>
+          </p:style>
+        </p:cxnSp>
+        <p:cxnSp>
+          <p:nvCxnSpPr>
+            <p:cNvPr id="43" name="직선 화살표 연결선 3"/>
+            <p:cNvCxnSpPr>
+              <a:stCxn id="20" idx="0"/>
+              <a:endCxn id="21" idx="1"/>
+            </p:cNvCxnSpPr>
+            <p:nvPr/>
+          </p:nvCxnSpPr>
+          <p:spPr>
+            <a:xfrm rot="5400000" flipH="1" flipV="1">
+              <a:off x="5721240" y="1802731"/>
+              <a:ext cx="826396" cy="411281"/>
+            </a:xfrm>
+            <a:prstGeom prst="bentConnector2">
+              <a:avLst/>
+            </a:prstGeom>
+            <a:ln w="19050">
+              <a:solidFill>
+                <a:srgbClr val="FF0000"/>
+              </a:solidFill>
+              <a:prstDash val="solid"/>
+              <a:tailEnd type="triangle"/>
+            </a:ln>
+          </p:spPr>
+          <p:style>
+            <a:lnRef idx="1">
+              <a:schemeClr val="accent1"/>
+            </a:lnRef>
+            <a:fillRef idx="0">
+              <a:schemeClr val="accent1"/>
+            </a:fillRef>
+            <a:effectRef idx="0">
+              <a:schemeClr val="accent1"/>
+            </a:effectRef>
+            <a:fontRef idx="minor">
+              <a:schemeClr val="tx1"/>
+            </a:fontRef>
+          </p:style>
+        </p:cxnSp>
+        <p:sp>
+          <p:nvSpPr>
+            <p:cNvPr id="46" name="TextBox 45"/>
+            <p:cNvSpPr txBox="1"/>
+            <p:nvPr/>
+          </p:nvSpPr>
+          <p:spPr>
+            <a:xfrm>
+              <a:off x="5980517" y="1717559"/>
+              <a:ext cx="813163" cy="568911"/>
+            </a:xfrm>
+            <a:prstGeom prst="rect">
+              <a:avLst/>
+            </a:prstGeom>
+            <a:noFill/>
+          </p:spPr>
+          <p:txBody>
+            <a:bodyPr wrap="square" rtlCol="0">
+              <a:noAutofit/>
+            </a:bodyPr>
+            <a:lstStyle/>
+            <a:p>
+              <a:r>
+                <a:rPr lang="ko-KR" altLang="en-US" sz="1100" b="1" dirty="0" err="1" smtClean="0">
+                  <a:solidFill>
+                    <a:schemeClr val="tx1">
+                      <a:lumMod val="65000"/>
+                      <a:lumOff val="35000"/>
+                    </a:schemeClr>
+                  </a:solidFill>
+                </a:rPr>
+                <a:t>설치취소</a:t>
+              </a:r>
+              <a:endParaRPr lang="ko-KR" altLang="en-US" sz="1100" b="1" dirty="0">
+                <a:solidFill>
+                  <a:schemeClr val="tx1">
+                    <a:lumMod val="65000"/>
+                    <a:lumOff val="35000"/>
+                  </a:schemeClr>
+                </a:solidFill>
+              </a:endParaRPr>
+            </a:p>
+          </p:txBody>
+        </p:sp>
+        <p:cxnSp>
+          <p:nvCxnSpPr>
+            <p:cNvPr id="47" name="직선 화살표 연결선 3"/>
+            <p:cNvCxnSpPr>
+              <a:endCxn id="31" idx="0"/>
+            </p:cNvCxnSpPr>
+            <p:nvPr/>
+          </p:nvCxnSpPr>
+          <p:spPr>
+            <a:xfrm>
+              <a:off x="9502486" y="432357"/>
+              <a:ext cx="5014" cy="1191960"/>
+            </a:xfrm>
+            <a:prstGeom prst="straightConnector1">
+              <a:avLst/>
+            </a:prstGeom>
+            <a:ln w="19050">
+              <a:prstDash val="sysDash"/>
+              <a:tailEnd type="triangle"/>
+            </a:ln>
+          </p:spPr>
+          <p:style>
+            <a:lnRef idx="1">
+              <a:schemeClr val="accent1"/>
+            </a:lnRef>
+            <a:fillRef idx="0">
+              <a:schemeClr val="accent1"/>
+            </a:fillRef>
+            <a:effectRef idx="0">
+              <a:schemeClr val="accent1"/>
+            </a:effectRef>
+            <a:fontRef idx="minor">
+              <a:schemeClr val="tx1"/>
+            </a:fontRef>
+          </p:style>
+        </p:cxnSp>
+        <p:sp>
+          <p:nvSpPr>
+            <p:cNvPr id="52" name="직사각형 51"/>
+            <p:cNvSpPr/>
+            <p:nvPr/>
+          </p:nvSpPr>
+          <p:spPr>
+            <a:xfrm>
+              <a:off x="8078370" y="1282551"/>
+              <a:ext cx="1116000" cy="270197"/>
+            </a:xfrm>
+            <a:prstGeom prst="rect">
+              <a:avLst/>
+            </a:prstGeom>
+            <a:solidFill>
+              <a:srgbClr val="9966FF"/>
+            </a:solidFill>
+            <a:ln>
+              <a:noFill/>
+            </a:ln>
+          </p:spPr>
+          <p:style>
+            <a:lnRef idx="2">
+              <a:schemeClr val="accent1">
+                <a:shade val="50000"/>
+              </a:schemeClr>
+            </a:lnRef>
+            <a:fillRef idx="1">
+              <a:schemeClr val="accent1"/>
+            </a:fillRef>
+            <a:effectRef idx="0">
+              <a:schemeClr val="accent1"/>
+            </a:effectRef>
+            <a:fontRef idx="minor">
+              <a:schemeClr val="lt1"/>
+            </a:fontRef>
+          </p:style>
+          <p:txBody>
+            <a:bodyPr rtlCol="0" anchor="ctr"/>
+            <a:lstStyle/>
+            <a:p>
+              <a:pPr algn="ctr"/>
+              <a:r>
+                <a:rPr lang="en-US" altLang="ko-KR" sz="1100" b="1" dirty="0" smtClean="0">
+                  <a:ln>
+                    <a:solidFill>
+                      <a:schemeClr val="bg1">
+                        <a:alpha val="20000"/>
+                      </a:schemeClr>
+                    </a:solidFill>
+                  </a:ln>
+                  <a:solidFill>
+                    <a:schemeClr val="tx1"/>
+                  </a:solidFill>
+                </a:rPr>
+                <a:t>Kafka Listener</a:t>
+              </a:r>
+              <a:endParaRPr lang="ko-KR" altLang="en-US" sz="1100" b="1" dirty="0">
+                <a:ln>
+                  <a:solidFill>
+                    <a:schemeClr val="bg1">
+                      <a:alpha val="20000"/>
+                    </a:schemeClr>
+                  </a:solidFill>
+                </a:ln>
+                <a:solidFill>
+                  <a:schemeClr val="tx1"/>
+                </a:solidFill>
+              </a:endParaRPr>
+            </a:p>
+          </p:txBody>
+        </p:sp>
+        <p:cxnSp>
+          <p:nvCxnSpPr>
+            <p:cNvPr id="54" name="직선 화살표 연결선 3"/>
+            <p:cNvCxnSpPr/>
+            <p:nvPr/>
+          </p:nvCxnSpPr>
+          <p:spPr>
+            <a:xfrm>
+              <a:off x="8795109" y="442228"/>
+              <a:ext cx="0" cy="840323"/>
+            </a:xfrm>
+            <a:prstGeom prst="straightConnector1">
+              <a:avLst/>
+            </a:prstGeom>
+            <a:ln w="19050">
+              <a:prstDash val="sysDash"/>
+              <a:tailEnd type="triangle"/>
+            </a:ln>
+          </p:spPr>
+          <p:style>
+            <a:lnRef idx="1">
+              <a:schemeClr val="accent1"/>
+            </a:lnRef>
+            <a:fillRef idx="0">
+              <a:schemeClr val="accent1"/>
+            </a:fillRef>
+            <a:effectRef idx="0">
+              <a:schemeClr val="accent1"/>
+            </a:effectRef>
+            <a:fontRef idx="minor">
+              <a:schemeClr val="tx1"/>
+            </a:fontRef>
+          </p:style>
+        </p:cxnSp>
+        <p:sp>
+          <p:nvSpPr>
+            <p:cNvPr id="57" name="직사각형 56"/>
+            <p:cNvSpPr/>
+            <p:nvPr/>
+          </p:nvSpPr>
+          <p:spPr>
+            <a:xfrm>
+              <a:off x="6422409" y="1117506"/>
+              <a:ext cx="1116000" cy="270197"/>
+            </a:xfrm>
+            <a:prstGeom prst="rect">
+              <a:avLst/>
+            </a:prstGeom>
+            <a:solidFill>
+              <a:srgbClr val="FFC000"/>
+            </a:solidFill>
+            <a:ln>
+              <a:noFill/>
+            </a:ln>
+          </p:spPr>
+          <p:style>
+            <a:lnRef idx="2">
+              <a:schemeClr val="accent1">
+                <a:shade val="50000"/>
+              </a:schemeClr>
+            </a:lnRef>
+            <a:fillRef idx="1">
+              <a:schemeClr val="accent1"/>
+            </a:fillRef>
+            <a:effectRef idx="0">
+              <a:schemeClr val="accent1"/>
+            </a:effectRef>
+            <a:fontRef idx="minor">
+              <a:schemeClr val="lt1"/>
+            </a:fontRef>
+          </p:style>
+          <p:txBody>
+            <a:bodyPr rtlCol="0" anchor="ctr"/>
+            <a:lstStyle/>
+            <a:p>
+              <a:pPr algn="ctr"/>
+              <a:r>
+                <a:rPr lang="en-US" altLang="ko-KR" sz="1100" b="1" dirty="0" smtClean="0">
+                  <a:ln>
+                    <a:solidFill>
+                      <a:schemeClr val="bg1">
+                        <a:alpha val="20000"/>
+                      </a:schemeClr>
+                    </a:solidFill>
+                  </a:ln>
+                  <a:solidFill>
+                    <a:schemeClr val="tx1"/>
+                  </a:solidFill>
+                </a:rPr>
+                <a:t>Kafka Publisher</a:t>
+              </a:r>
+              <a:endParaRPr lang="ko-KR" altLang="en-US" sz="1100" b="1" dirty="0">
+                <a:ln>
+                  <a:solidFill>
+                    <a:schemeClr val="bg1">
+                      <a:alpha val="20000"/>
+                    </a:schemeClr>
+                  </a:solidFill>
+                </a:ln>
+                <a:solidFill>
+                  <a:schemeClr val="tx1"/>
+                </a:solidFill>
+              </a:endParaRPr>
+            </a:p>
+          </p:txBody>
+        </p:sp>
+        <p:cxnSp>
+          <p:nvCxnSpPr>
+            <p:cNvPr id="58" name="직선 화살표 연결선 3"/>
+            <p:cNvCxnSpPr>
+              <a:stCxn id="57" idx="0"/>
+            </p:cNvCxnSpPr>
+            <p:nvPr/>
+          </p:nvCxnSpPr>
+          <p:spPr>
+            <a:xfrm flipH="1" flipV="1">
+              <a:off x="6980408" y="436690"/>
+              <a:ext cx="1" cy="680816"/>
+            </a:xfrm>
+            <a:prstGeom prst="straightConnector1">
+              <a:avLst/>
+            </a:prstGeom>
+            <a:ln w="19050">
+              <a:prstDash val="sysDash"/>
+              <a:tailEnd type="triangle"/>
+            </a:ln>
+          </p:spPr>
+          <p:style>
+            <a:lnRef idx="1">
+              <a:schemeClr val="accent1"/>
+            </a:lnRef>
+            <a:fillRef idx="0">
+              <a:schemeClr val="accent1"/>
+            </a:fillRef>
+            <a:effectRef idx="0">
+              <a:schemeClr val="accent1"/>
+            </a:effectRef>
+            <a:fontRef idx="minor">
+              <a:schemeClr val="tx1"/>
+            </a:fontRef>
+          </p:style>
+        </p:cxnSp>
+        <p:sp>
+          <p:nvSpPr>
+            <p:cNvPr id="53" name="직사각형 52"/>
+            <p:cNvSpPr/>
+            <p:nvPr/>
+          </p:nvSpPr>
+          <p:spPr>
+            <a:xfrm>
+              <a:off x="8088082" y="4194586"/>
+              <a:ext cx="1116000" cy="270197"/>
+            </a:xfrm>
+            <a:prstGeom prst="rect">
+              <a:avLst/>
+            </a:prstGeom>
+            <a:solidFill>
+              <a:srgbClr val="9966FF"/>
+            </a:solidFill>
+            <a:ln>
+              <a:noFill/>
+            </a:ln>
+          </p:spPr>
+          <p:style>
+            <a:lnRef idx="2">
+              <a:schemeClr val="accent1">
+                <a:shade val="50000"/>
+              </a:schemeClr>
+            </a:lnRef>
+            <a:fillRef idx="1">
+              <a:schemeClr val="accent1"/>
+            </a:fillRef>
+            <a:effectRef idx="0">
+              <a:schemeClr val="accent1"/>
+            </a:effectRef>
+            <a:fontRef idx="minor">
+              <a:schemeClr val="lt1"/>
+            </a:fontRef>
+          </p:style>
+          <p:txBody>
+            <a:bodyPr rtlCol="0" anchor="ctr"/>
+            <a:lstStyle/>
+            <a:p>
+              <a:pPr algn="ctr"/>
+              <a:r>
+                <a:rPr lang="en-US" altLang="ko-KR" sz="1100" b="1" dirty="0" smtClean="0">
+                  <a:ln>
+                    <a:solidFill>
+                      <a:schemeClr val="bg1">
+                        <a:alpha val="20000"/>
+                      </a:schemeClr>
+                    </a:solidFill>
+                  </a:ln>
+                  <a:solidFill>
+                    <a:schemeClr val="tx1"/>
+                  </a:solidFill>
+                </a:rPr>
+                <a:t>Kafka Listener</a:t>
+              </a:r>
+              <a:endParaRPr lang="ko-KR" altLang="en-US" sz="1100" b="1" dirty="0">
+                <a:ln>
+                  <a:solidFill>
+                    <a:schemeClr val="bg1">
+                      <a:alpha val="20000"/>
+                    </a:schemeClr>
+                  </a:solidFill>
+                </a:ln>
+                <a:solidFill>
+                  <a:schemeClr val="tx1"/>
+                </a:solidFill>
+              </a:endParaRPr>
+            </a:p>
+          </p:txBody>
+        </p:sp>
+        <p:cxnSp>
+          <p:nvCxnSpPr>
+            <p:cNvPr id="55" name="직선 화살표 연결선 3"/>
+            <p:cNvCxnSpPr/>
+            <p:nvPr/>
+          </p:nvCxnSpPr>
+          <p:spPr>
+            <a:xfrm>
+              <a:off x="9049287" y="491336"/>
+              <a:ext cx="15816" cy="3663142"/>
+            </a:xfrm>
+            <a:prstGeom prst="straightConnector1">
+              <a:avLst/>
+            </a:prstGeom>
+            <a:ln w="19050">
+              <a:solidFill>
+                <a:srgbClr val="FF0000"/>
+              </a:solidFill>
+              <a:prstDash val="sysDash"/>
+              <a:tailEnd type="triangle"/>
+            </a:ln>
+          </p:spPr>
+          <p:style>
+            <a:lnRef idx="1">
+              <a:schemeClr val="accent1"/>
+            </a:lnRef>
+            <a:fillRef idx="0">
+              <a:schemeClr val="accent1"/>
+            </a:fillRef>
+            <a:effectRef idx="0">
+              <a:schemeClr val="accent1"/>
+            </a:effectRef>
+            <a:fontRef idx="minor">
+              <a:schemeClr val="tx1"/>
+            </a:fontRef>
+          </p:style>
+        </p:cxnSp>
+        <p:cxnSp>
+          <p:nvCxnSpPr>
+            <p:cNvPr id="56" name="직선 화살표 연결선 3"/>
+            <p:cNvCxnSpPr/>
+            <p:nvPr/>
+          </p:nvCxnSpPr>
+          <p:spPr>
+            <a:xfrm flipV="1">
+              <a:off x="11089249" y="442228"/>
+              <a:ext cx="9923" cy="4639284"/>
+            </a:xfrm>
+            <a:prstGeom prst="straightConnector1">
+              <a:avLst/>
+            </a:prstGeom>
+            <a:ln w="19050">
+              <a:solidFill>
+                <a:srgbClr val="FF0000"/>
+              </a:solidFill>
+              <a:prstDash val="sysDash"/>
+              <a:tailEnd type="triangle"/>
+            </a:ln>
+          </p:spPr>
+          <p:style>
+            <a:lnRef idx="1">
+              <a:schemeClr val="accent1"/>
+            </a:lnRef>
+            <a:fillRef idx="0">
+              <a:schemeClr val="accent1"/>
+            </a:fillRef>
+            <a:effectRef idx="0">
+              <a:schemeClr val="accent1"/>
+            </a:effectRef>
+            <a:fontRef idx="minor">
+              <a:schemeClr val="tx1"/>
+            </a:fontRef>
+          </p:style>
+        </p:cxnSp>
+      </p:grpSp>
+    </p:spTree>
+    <p:extLst>
+      <p:ext uri="{BB962C8B-B14F-4D97-AF65-F5344CB8AC3E}">
+        <p14:creationId xmlns:p14="http://schemas.microsoft.com/office/powerpoint/2010/main" val="642856361"/>
+      </p:ext>
+    </p:extLst>
+  </p:cSld>
+  <p:clrMapOvr>
+    <a:masterClrMapping/>
+  </p:clrMapOvr>
+  <p:timing>
+    <p:tnLst>
+      <p:par>
+        <p:cTn id="1" dur="indefinite" restart="never" nodeType="tmRoot"/>
+      </p:par>
+    </p:tnLst>
+  </p:timing>
+</p:sld>
+</file>
+
+<file path=ppt/slides/slide22.xml><?xml version="1.0" encoding="utf-8"?>
+<p:sld xmlns:a="http://schemas.openxmlformats.org/drawingml/2006/main" xmlns:r="http://schemas.openxmlformats.org/officeDocument/2006/relationships" xmlns:p="http://schemas.openxmlformats.org/presentationml/2006/main">
+  <p:cSld>
+    <p:spTree>
+      <p:nvGrpSpPr>
+        <p:cNvPr id="1" name=""/>
+        <p:cNvGrpSpPr/>
+        <p:nvPr/>
+      </p:nvGrpSpPr>
+      <p:grpSpPr>
+        <a:xfrm>
+          <a:off x="0" y="0"/>
+          <a:ext cx="0" cy="0"/>
+          <a:chOff x="0" y="0"/>
+          <a:chExt cx="0" cy="0"/>
+        </a:xfrm>
+      </p:grpSpPr>
       <p:sp>
         <p:nvSpPr>
           <p:cNvPr id="2" name="제목 1"/>
@@ -30883,7 +33694,7 @@
 </p:sld>
 </file>
 
-<file path=ppt/slides/slide22.xml><?xml version="1.0" encoding="utf-8"?>
+<file path=ppt/slides/slide23.xml><?xml version="1.0" encoding="utf-8"?>
 <p:sld xmlns:a="http://schemas.openxmlformats.org/drawingml/2006/main" xmlns:r="http://schemas.openxmlformats.org/officeDocument/2006/relationships" xmlns:p="http://schemas.openxmlformats.org/presentationml/2006/main">
   <p:cSld>
     <p:spTree>
@@ -34272,7 +37083,6 @@
               <a:rPr lang="en-US" altLang="ko-KR" dirty="0"/>
               <a:t>.</a:t>
             </a:r>
-            <a:endParaRPr lang="en-US" altLang="ko-KR" dirty="0"/>
           </a:p>
           <a:p>
             <a:r>
@@ -37529,22 +40339,7 @@
                   <a:schemeClr val="tx1"/>
                 </a:solidFill>
               </a:rPr>
-              <a:t> 접수 </a:t>
-            </a:r>
-            <a:r>
-              <a:rPr lang="ko-KR" altLang="en-US" sz="1100" b="1" dirty="0" smtClean="0">
-                <a:ln>
-                  <a:solidFill>
-                    <a:schemeClr val="bg1">
-                      <a:alpha val="20000"/>
-                    </a:schemeClr>
-                  </a:solidFill>
-                </a:ln>
-                <a:solidFill>
-                  <a:schemeClr val="tx1"/>
-                </a:solidFill>
-              </a:rPr>
-              <a:t>됨</a:t>
+              <a:t> 접수 됨</a:t>
             </a:r>
             <a:endParaRPr lang="ko-KR" altLang="en-US" sz="1100" b="1" dirty="0">
               <a:ln>
@@ -38108,22 +40903,7 @@
                   <a:schemeClr val="tx1"/>
                 </a:solidFill>
               </a:rPr>
-              <a:t>취소 처리 </a:t>
-            </a:r>
-            <a:r>
-              <a:rPr lang="ko-KR" altLang="en-US" sz="1100" b="1" dirty="0" smtClean="0">
-                <a:ln>
-                  <a:solidFill>
-                    <a:schemeClr val="bg1">
-                      <a:alpha val="20000"/>
-                    </a:schemeClr>
-                  </a:solidFill>
-                </a:ln>
-                <a:solidFill>
-                  <a:schemeClr val="tx1"/>
-                </a:solidFill>
-              </a:rPr>
-              <a:t>결정</a:t>
+              <a:t>취소 처리 결정</a:t>
             </a:r>
             <a:endParaRPr lang="ko-KR" altLang="en-US" sz="1100" b="1" dirty="0">
               <a:ln>
